--- a/SUPER PANG.pptx
+++ b/SUPER PANG.pptx
@@ -7,21 +7,25 @@
   <p:sldIdLst>
     <p:sldId id="256" r:id="rId2"/>
     <p:sldId id="257" r:id="rId3"/>
-    <p:sldId id="258" r:id="rId4"/>
-    <p:sldId id="262" r:id="rId5"/>
-    <p:sldId id="263" r:id="rId6"/>
-    <p:sldId id="265" r:id="rId7"/>
-    <p:sldId id="266" r:id="rId8"/>
-    <p:sldId id="267" r:id="rId9"/>
-    <p:sldId id="268" r:id="rId10"/>
-    <p:sldId id="269" r:id="rId11"/>
-    <p:sldId id="270" r:id="rId12"/>
-    <p:sldId id="271" r:id="rId13"/>
-    <p:sldId id="272" r:id="rId14"/>
-    <p:sldId id="274" r:id="rId15"/>
-    <p:sldId id="275" r:id="rId16"/>
-    <p:sldId id="276" r:id="rId17"/>
-    <p:sldId id="261" r:id="rId18"/>
+    <p:sldId id="280" r:id="rId4"/>
+    <p:sldId id="258" r:id="rId5"/>
+    <p:sldId id="262" r:id="rId6"/>
+    <p:sldId id="263" r:id="rId7"/>
+    <p:sldId id="281" r:id="rId8"/>
+    <p:sldId id="265" r:id="rId9"/>
+    <p:sldId id="266" r:id="rId10"/>
+    <p:sldId id="267" r:id="rId11"/>
+    <p:sldId id="268" r:id="rId12"/>
+    <p:sldId id="269" r:id="rId13"/>
+    <p:sldId id="270" r:id="rId14"/>
+    <p:sldId id="271" r:id="rId15"/>
+    <p:sldId id="279" r:id="rId16"/>
+    <p:sldId id="278" r:id="rId17"/>
+    <p:sldId id="274" r:id="rId18"/>
+    <p:sldId id="275" r:id="rId19"/>
+    <p:sldId id="276" r:id="rId20"/>
+    <p:sldId id="261" r:id="rId21"/>
+    <p:sldId id="282" r:id="rId22"/>
   </p:sldIdLst>
   <p:sldSz cx="12192000" cy="6858000"/>
   <p:notesSz cx="6858000" cy="9144000"/>
@@ -120,6 +124,11 @@
       </a:defRPr>
     </a:lvl9pPr>
   </p:defaultTextStyle>
+  <p:extLst>
+    <p:ext uri="{EFAFB233-063F-42B5-8137-9DF3F51BA10A}">
+      <p15:sldGuideLst xmlns:p15="http://schemas.microsoft.com/office/powerpoint/2012/main"/>
+    </p:ext>
+  </p:extLst>
 </p:presentation>
 </file>
 
@@ -625,7 +634,7 @@
           <a:p>
             <a:fld id="{C541C2DB-0912-4FDE-AC87-D8719C97D96D}" type="datetimeFigureOut">
               <a:rPr lang="es-ES" smtClean="0"/>
-              <a:t>29/05/2018</a:t>
+              <a:t>30/05/2018</a:t>
             </a:fld>
             <a:endParaRPr lang="es-ES"/>
           </a:p>
@@ -921,7 +930,7 @@
           <a:p>
             <a:fld id="{C541C2DB-0912-4FDE-AC87-D8719C97D96D}" type="datetimeFigureOut">
               <a:rPr lang="es-ES" smtClean="0"/>
-              <a:t>29/05/2018</a:t>
+              <a:t>30/05/2018</a:t>
             </a:fld>
             <a:endParaRPr lang="es-ES"/>
           </a:p>
@@ -1169,7 +1178,7 @@
           <a:p>
             <a:fld id="{C541C2DB-0912-4FDE-AC87-D8719C97D96D}" type="datetimeFigureOut">
               <a:rPr lang="es-ES" smtClean="0"/>
-              <a:t>29/05/2018</a:t>
+              <a:t>30/05/2018</a:t>
             </a:fld>
             <a:endParaRPr lang="es-ES"/>
           </a:p>
@@ -1709,7 +1718,7 @@
           <a:p>
             <a:fld id="{C541C2DB-0912-4FDE-AC87-D8719C97D96D}" type="datetimeFigureOut">
               <a:rPr lang="es-ES" smtClean="0"/>
-              <a:t>29/05/2018</a:t>
+              <a:t>30/05/2018</a:t>
             </a:fld>
             <a:endParaRPr lang="es-ES"/>
           </a:p>
@@ -1957,7 +1966,7 @@
           <a:p>
             <a:fld id="{C541C2DB-0912-4FDE-AC87-D8719C97D96D}" type="datetimeFigureOut">
               <a:rPr lang="es-ES" smtClean="0"/>
-              <a:t>29/05/2018</a:t>
+              <a:t>30/05/2018</a:t>
             </a:fld>
             <a:endParaRPr lang="es-ES"/>
           </a:p>
@@ -2489,7 +2498,7 @@
           <a:p>
             <a:fld id="{C541C2DB-0912-4FDE-AC87-D8719C97D96D}" type="datetimeFigureOut">
               <a:rPr lang="es-ES" smtClean="0"/>
-              <a:t>29/05/2018</a:t>
+              <a:t>30/05/2018</a:t>
             </a:fld>
             <a:endParaRPr lang="es-ES"/>
           </a:p>
@@ -2786,7 +2795,7 @@
           <a:p>
             <a:fld id="{C541C2DB-0912-4FDE-AC87-D8719C97D96D}" type="datetimeFigureOut">
               <a:rPr lang="es-ES" smtClean="0"/>
-              <a:t>29/05/2018</a:t>
+              <a:t>30/05/2018</a:t>
             </a:fld>
             <a:endParaRPr lang="es-ES"/>
           </a:p>
@@ -2960,7 +2969,7 @@
           <a:p>
             <a:fld id="{C541C2DB-0912-4FDE-AC87-D8719C97D96D}" type="datetimeFigureOut">
               <a:rPr lang="es-ES" smtClean="0"/>
-              <a:t>29/05/2018</a:t>
+              <a:t>30/05/2018</a:t>
             </a:fld>
             <a:endParaRPr lang="es-ES"/>
           </a:p>
@@ -3140,7 +3149,7 @@
           <a:p>
             <a:fld id="{C541C2DB-0912-4FDE-AC87-D8719C97D96D}" type="datetimeFigureOut">
               <a:rPr lang="es-ES" smtClean="0"/>
-              <a:t>29/05/2018</a:t>
+              <a:t>30/05/2018</a:t>
             </a:fld>
             <a:endParaRPr lang="es-ES"/>
           </a:p>
@@ -3310,7 +3319,7 @@
           <a:p>
             <a:fld id="{C541C2DB-0912-4FDE-AC87-D8719C97D96D}" type="datetimeFigureOut">
               <a:rPr lang="es-ES" smtClean="0"/>
-              <a:t>29/05/2018</a:t>
+              <a:t>30/05/2018</a:t>
             </a:fld>
             <a:endParaRPr lang="es-ES"/>
           </a:p>
@@ -3561,7 +3570,7 @@
           <a:p>
             <a:fld id="{C541C2DB-0912-4FDE-AC87-D8719C97D96D}" type="datetimeFigureOut">
               <a:rPr lang="es-ES" smtClean="0"/>
-              <a:t>29/05/2018</a:t>
+              <a:t>30/05/2018</a:t>
             </a:fld>
             <a:endParaRPr lang="es-ES"/>
           </a:p>
@@ -3858,7 +3867,7 @@
           <a:p>
             <a:fld id="{C541C2DB-0912-4FDE-AC87-D8719C97D96D}" type="datetimeFigureOut">
               <a:rPr lang="es-ES" smtClean="0"/>
-              <a:t>29/05/2018</a:t>
+              <a:t>30/05/2018</a:t>
             </a:fld>
             <a:endParaRPr lang="es-ES"/>
           </a:p>
@@ -4300,7 +4309,7 @@
           <a:p>
             <a:fld id="{C541C2DB-0912-4FDE-AC87-D8719C97D96D}" type="datetimeFigureOut">
               <a:rPr lang="es-ES" smtClean="0"/>
-              <a:t>29/05/2018</a:t>
+              <a:t>30/05/2018</a:t>
             </a:fld>
             <a:endParaRPr lang="es-ES"/>
           </a:p>
@@ -4418,7 +4427,7 @@
           <a:p>
             <a:fld id="{C541C2DB-0912-4FDE-AC87-D8719C97D96D}" type="datetimeFigureOut">
               <a:rPr lang="es-ES" smtClean="0"/>
-              <a:t>29/05/2018</a:t>
+              <a:t>30/05/2018</a:t>
             </a:fld>
             <a:endParaRPr lang="es-ES"/>
           </a:p>
@@ -4513,7 +4522,7 @@
           <a:p>
             <a:fld id="{C541C2DB-0912-4FDE-AC87-D8719C97D96D}" type="datetimeFigureOut">
               <a:rPr lang="es-ES" smtClean="0"/>
-              <a:t>29/05/2018</a:t>
+              <a:t>30/05/2018</a:t>
             </a:fld>
             <a:endParaRPr lang="es-ES"/>
           </a:p>
@@ -4796,7 +4805,7 @@
           <a:p>
             <a:fld id="{C541C2DB-0912-4FDE-AC87-D8719C97D96D}" type="datetimeFigureOut">
               <a:rPr lang="es-ES" smtClean="0"/>
-              <a:t>29/05/2018</a:t>
+              <a:t>30/05/2018</a:t>
             </a:fld>
             <a:endParaRPr lang="es-ES"/>
           </a:p>
@@ -5087,7 +5096,7 @@
           <a:p>
             <a:fld id="{C541C2DB-0912-4FDE-AC87-D8719C97D96D}" type="datetimeFigureOut">
               <a:rPr lang="es-ES" smtClean="0"/>
-              <a:t>29/05/2018</a:t>
+              <a:t>30/05/2018</a:t>
             </a:fld>
             <a:endParaRPr lang="es-ES"/>
           </a:p>
@@ -5617,7 +5626,7 @@
           <a:p>
             <a:fld id="{C541C2DB-0912-4FDE-AC87-D8719C97D96D}" type="datetimeFigureOut">
               <a:rPr lang="es-ES" smtClean="0"/>
-              <a:t>29/05/2018</a:t>
+              <a:t>30/05/2018</a:t>
             </a:fld>
             <a:endParaRPr lang="es-ES"/>
           </a:p>
@@ -6360,14 +6369,38 @@
         </p:nvSpPr>
         <p:spPr/>
         <p:txBody>
-          <a:bodyPr/>
-          <a:lstStyle/>
-          <a:p>
-            <a:r>
-              <a:rPr lang="es-ES" dirty="0" smtClean="0"/>
-              <a:t>Clases Bolas</a:t>
-            </a:r>
-            <a:endParaRPr lang="es-ES" dirty="0"/>
+          <a:bodyPr>
+            <a:normAutofit/>
+          </a:bodyPr>
+          <a:lstStyle/>
+          <a:p>
+            <a:r>
+              <a:rPr lang="es-ES" sz="6600" dirty="0" smtClean="0">
+                <a:solidFill>
+                  <a:schemeClr val="accent1">
+                    <a:lumMod val="75000"/>
+                  </a:schemeClr>
+                </a:solidFill>
+              </a:rPr>
+              <a:t>Clase </a:t>
+            </a:r>
+            <a:r>
+              <a:rPr lang="es-ES" sz="6600" dirty="0" err="1" smtClean="0">
+                <a:solidFill>
+                  <a:schemeClr val="accent1">
+                    <a:lumMod val="75000"/>
+                  </a:schemeClr>
+                </a:solidFill>
+              </a:rPr>
+              <a:t>Background</a:t>
+            </a:r>
+            <a:endParaRPr lang="es-ES" sz="6600" dirty="0">
+              <a:solidFill>
+                <a:schemeClr val="accent1">
+                  <a:lumMod val="75000"/>
+                </a:schemeClr>
+              </a:solidFill>
+            </a:endParaRPr>
           </a:p>
         </p:txBody>
       </p:sp>
@@ -6383,36 +6416,54 @@
         </p:nvSpPr>
         <p:spPr/>
         <p:txBody>
-          <a:bodyPr/>
-          <a:lstStyle/>
-          <a:p>
-            <a:endParaRPr lang="es-ES"/>
-          </a:p>
-        </p:txBody>
-      </p:sp>
-      <p:sp>
-        <p:nvSpPr>
-          <p:cNvPr id="4" name="Marcador de contenido 3"/>
-          <p:cNvSpPr>
-            <a:spLocks noGrp="1"/>
-          </p:cNvSpPr>
+          <a:bodyPr>
+            <a:normAutofit/>
+          </a:bodyPr>
+          <a:lstStyle/>
+          <a:p>
+            <a:r>
+              <a:rPr lang="es-ES" sz="3200" dirty="0" smtClean="0"/>
+              <a:t>Imagen fija a modo de escenario, creada en la capa más baja.</a:t>
+            </a:r>
+          </a:p>
+          <a:p>
+            <a:r>
+              <a:rPr lang="es-ES" sz="3200" dirty="0" smtClean="0"/>
+              <a:t>Escala: 3</a:t>
+            </a:r>
+            <a:endParaRPr lang="es-ES" sz="3200" dirty="0"/>
+          </a:p>
+        </p:txBody>
+      </p:sp>
+      <p:pic>
+        <p:nvPicPr>
+          <p:cNvPr id="7" name="Marcador de contenido 6"/>
+          <p:cNvPicPr>
+            <a:picLocks noGrp="1" noChangeAspect="1"/>
+          </p:cNvPicPr>
           <p:nvPr>
             <p:ph sz="half" idx="2"/>
           </p:nvPr>
-        </p:nvSpPr>
-        <p:spPr/>
-        <p:txBody>
-          <a:bodyPr/>
-          <a:lstStyle/>
-          <a:p>
-            <a:endParaRPr lang="es-ES"/>
-          </a:p>
-        </p:txBody>
-      </p:sp>
+        </p:nvPicPr>
+        <p:blipFill rotWithShape="1">
+          <a:blip r:embed="rId2"/>
+          <a:srcRect b="3252"/>
+          <a:stretch/>
+        </p:blipFill>
+        <p:spPr>
+          <a:xfrm>
+            <a:off x="6493667" y="2667000"/>
+            <a:ext cx="5123657" cy="3124200"/>
+          </a:xfrm>
+          <a:prstGeom prst="rect">
+            <a:avLst/>
+          </a:prstGeom>
+        </p:spPr>
+      </p:pic>
     </p:spTree>
     <p:extLst>
       <p:ext uri="{BB962C8B-B14F-4D97-AF65-F5344CB8AC3E}">
-        <p14:creationId xmlns:p14="http://schemas.microsoft.com/office/powerpoint/2010/main" val="3009735517"/>
+        <p14:creationId xmlns:p14="http://schemas.microsoft.com/office/powerpoint/2010/main" val="3129614779"/>
       </p:ext>
     </p:extLst>
   </p:cSld>
@@ -6458,18 +6509,38 @@
         </p:nvSpPr>
         <p:spPr/>
         <p:txBody>
-          <a:bodyPr/>
-          <a:lstStyle/>
-          <a:p>
-            <a:r>
-              <a:rPr lang="es-ES" dirty="0" smtClean="0"/>
-              <a:t>Clase </a:t>
-            </a:r>
-            <a:r>
-              <a:rPr lang="es-ES" dirty="0" err="1" smtClean="0"/>
-              <a:t>Harpoon</a:t>
-            </a:r>
-            <a:endParaRPr lang="es-ES" dirty="0"/>
+          <a:bodyPr>
+            <a:normAutofit/>
+          </a:bodyPr>
+          <a:lstStyle/>
+          <a:p>
+            <a:r>
+              <a:rPr lang="es-ES" sz="6600" dirty="0" smtClean="0">
+                <a:solidFill>
+                  <a:schemeClr val="accent1">
+                    <a:lumMod val="75000"/>
+                  </a:schemeClr>
+                </a:solidFill>
+              </a:rPr>
+              <a:t>Clases </a:t>
+            </a:r>
+            <a:r>
+              <a:rPr lang="es-ES" sz="6600" dirty="0" err="1" smtClean="0">
+                <a:solidFill>
+                  <a:schemeClr val="accent1">
+                    <a:lumMod val="75000"/>
+                  </a:schemeClr>
+                </a:solidFill>
+              </a:rPr>
+              <a:t>Edges</a:t>
+            </a:r>
+            <a:endParaRPr lang="es-ES" sz="6600" dirty="0">
+              <a:solidFill>
+                <a:schemeClr val="accent1">
+                  <a:lumMod val="75000"/>
+                </a:schemeClr>
+              </a:solidFill>
+            </a:endParaRPr>
           </a:p>
         </p:txBody>
       </p:sp>
@@ -6483,38 +6554,67 @@
             <p:ph sz="half" idx="1"/>
           </p:nvPr>
         </p:nvSpPr>
-        <p:spPr/>
-        <p:txBody>
-          <a:bodyPr/>
-          <a:lstStyle/>
-          <a:p>
-            <a:endParaRPr lang="es-ES"/>
-          </a:p>
-        </p:txBody>
-      </p:sp>
-      <p:sp>
-        <p:nvSpPr>
-          <p:cNvPr id="4" name="Marcador de contenido 3"/>
-          <p:cNvSpPr>
-            <a:spLocks noGrp="1"/>
-          </p:cNvSpPr>
+        <p:spPr>
+          <a:xfrm>
+            <a:off x="1484311" y="2501899"/>
+            <a:ext cx="4895055" cy="3124201"/>
+          </a:xfrm>
+        </p:spPr>
+        <p:txBody>
+          <a:bodyPr>
+            <a:normAutofit/>
+          </a:bodyPr>
+          <a:lstStyle/>
+          <a:p>
+            <a:r>
+              <a:rPr lang="es-ES" sz="3200" dirty="0"/>
+              <a:t>Máscara: Defecto o Enemigo</a:t>
+            </a:r>
+          </a:p>
+          <a:p>
+            <a:r>
+              <a:rPr lang="es-ES" sz="3200" dirty="0" smtClean="0"/>
+              <a:t>Escala: 3</a:t>
+            </a:r>
+          </a:p>
+          <a:p>
+            <a:r>
+              <a:rPr lang="es-ES" sz="3200" dirty="0" smtClean="0"/>
+              <a:t>Colisiones: Todo</a:t>
+            </a:r>
+            <a:endParaRPr lang="es-ES" sz="3200" dirty="0"/>
+          </a:p>
+        </p:txBody>
+      </p:sp>
+      <p:pic>
+        <p:nvPicPr>
+          <p:cNvPr id="5" name="Marcador de contenido 4"/>
+          <p:cNvPicPr>
+            <a:picLocks noGrp="1" noChangeAspect="1"/>
+          </p:cNvPicPr>
           <p:nvPr>
             <p:ph sz="half" idx="2"/>
           </p:nvPr>
-        </p:nvSpPr>
-        <p:spPr/>
-        <p:txBody>
-          <a:bodyPr/>
-          <a:lstStyle/>
-          <a:p>
-            <a:endParaRPr lang="es-ES"/>
-          </a:p>
-        </p:txBody>
-      </p:sp>
+        </p:nvPicPr>
+        <p:blipFill rotWithShape="1">
+          <a:blip r:embed="rId2"/>
+          <a:srcRect t="1219" b="1219"/>
+          <a:stretch/>
+        </p:blipFill>
+        <p:spPr>
+          <a:xfrm>
+            <a:off x="6565900" y="2578100"/>
+            <a:ext cx="4937124" cy="3048000"/>
+          </a:xfrm>
+          <a:prstGeom prst="rect">
+            <a:avLst/>
+          </a:prstGeom>
+        </p:spPr>
+      </p:pic>
     </p:spTree>
     <p:extLst>
       <p:ext uri="{BB962C8B-B14F-4D97-AF65-F5344CB8AC3E}">
-        <p14:creationId xmlns:p14="http://schemas.microsoft.com/office/powerpoint/2010/main" val="1049706512"/>
+        <p14:creationId xmlns:p14="http://schemas.microsoft.com/office/powerpoint/2010/main" val="3725490647"/>
       </p:ext>
     </p:extLst>
   </p:cSld>
@@ -6558,16 +6658,35 @@
             <p:ph type="title"/>
           </p:nvPr>
         </p:nvSpPr>
-        <p:spPr/>
-        <p:txBody>
-          <a:bodyPr/>
-          <a:lstStyle/>
-          <a:p>
-            <a:r>
-              <a:rPr lang="es-ES" dirty="0" smtClean="0"/>
-              <a:t>Clase Player</a:t>
-            </a:r>
-            <a:endParaRPr lang="es-ES" dirty="0"/>
+        <p:spPr>
+          <a:xfrm>
+            <a:off x="1484312" y="622300"/>
+            <a:ext cx="10018713" cy="1752599"/>
+          </a:xfrm>
+        </p:spPr>
+        <p:txBody>
+          <a:bodyPr>
+            <a:normAutofit/>
+          </a:bodyPr>
+          <a:lstStyle/>
+          <a:p>
+            <a:r>
+              <a:rPr lang="es-ES" sz="6600" dirty="0" smtClean="0">
+                <a:solidFill>
+                  <a:schemeClr val="accent1">
+                    <a:lumMod val="75000"/>
+                  </a:schemeClr>
+                </a:solidFill>
+              </a:rPr>
+              <a:t>Clases Bolas</a:t>
+            </a:r>
+            <a:endParaRPr lang="es-ES" sz="6600" dirty="0">
+              <a:solidFill>
+                <a:schemeClr val="accent1">
+                  <a:lumMod val="75000"/>
+                </a:schemeClr>
+              </a:solidFill>
+            </a:endParaRPr>
           </a:p>
         </p:txBody>
       </p:sp>
@@ -6581,38 +6700,77 @@
             <p:ph sz="half" idx="1"/>
           </p:nvPr>
         </p:nvSpPr>
-        <p:spPr/>
-        <p:txBody>
-          <a:bodyPr/>
-          <a:lstStyle/>
-          <a:p>
-            <a:endParaRPr lang="es-ES"/>
-          </a:p>
-        </p:txBody>
-      </p:sp>
-      <p:sp>
-        <p:nvSpPr>
-          <p:cNvPr id="4" name="Marcador de contenido 3"/>
-          <p:cNvSpPr>
-            <a:spLocks noGrp="1"/>
-          </p:cNvSpPr>
+        <p:spPr>
+          <a:xfrm>
+            <a:off x="1366045" y="2946399"/>
+            <a:ext cx="4895055" cy="3124201"/>
+          </a:xfrm>
+        </p:spPr>
+        <p:txBody>
+          <a:bodyPr>
+            <a:normAutofit/>
+          </a:bodyPr>
+          <a:lstStyle/>
+          <a:p>
+            <a:r>
+              <a:rPr lang="es-ES" sz="3200" dirty="0" smtClean="0"/>
+              <a:t>Máscara: Partículas</a:t>
+            </a:r>
+          </a:p>
+          <a:p>
+            <a:r>
+              <a:rPr lang="es-ES" sz="3200" dirty="0" smtClean="0"/>
+              <a:t>Escala: 2</a:t>
+            </a:r>
+          </a:p>
+          <a:p>
+            <a:r>
+              <a:rPr lang="es-ES" sz="3200" dirty="0"/>
+              <a:t>Colisiones: Enemigo, Amigo, </a:t>
+            </a:r>
+            <a:r>
+              <a:rPr lang="es-ES" sz="3200" dirty="0" smtClean="0"/>
+              <a:t>Defecto</a:t>
+            </a:r>
+            <a:endParaRPr lang="es-ES" sz="3200" dirty="0"/>
+          </a:p>
+          <a:p>
+            <a:endParaRPr lang="es-ES" sz="3200" dirty="0" smtClean="0"/>
+          </a:p>
+          <a:p>
+            <a:endParaRPr lang="es-ES" sz="3200" dirty="0"/>
+          </a:p>
+        </p:txBody>
+      </p:sp>
+      <p:pic>
+        <p:nvPicPr>
+          <p:cNvPr id="5" name="Marcador de contenido 4"/>
+          <p:cNvPicPr>
+            <a:picLocks noGrp="1" noChangeAspect="1"/>
+          </p:cNvPicPr>
           <p:nvPr>
             <p:ph sz="half" idx="2"/>
           </p:nvPr>
-        </p:nvSpPr>
-        <p:spPr/>
-        <p:txBody>
-          <a:bodyPr/>
-          <a:lstStyle/>
-          <a:p>
-            <a:endParaRPr lang="es-ES"/>
-          </a:p>
-        </p:txBody>
-      </p:sp>
+        </p:nvPicPr>
+        <p:blipFill rotWithShape="1">
+          <a:blip r:embed="rId2"/>
+          <a:srcRect l="16829" t="6097" r="16829" b="31302"/>
+          <a:stretch/>
+        </p:blipFill>
+        <p:spPr>
+          <a:xfrm>
+            <a:off x="6435725" y="2743199"/>
+            <a:ext cx="5067300" cy="2990852"/>
+          </a:xfrm>
+          <a:prstGeom prst="rect">
+            <a:avLst/>
+          </a:prstGeom>
+        </p:spPr>
+      </p:pic>
     </p:spTree>
     <p:extLst>
       <p:ext uri="{BB962C8B-B14F-4D97-AF65-F5344CB8AC3E}">
-        <p14:creationId xmlns:p14="http://schemas.microsoft.com/office/powerpoint/2010/main" val="872896981"/>
+        <p14:creationId xmlns:p14="http://schemas.microsoft.com/office/powerpoint/2010/main" val="3009735517"/>
       </p:ext>
     </p:extLst>
   </p:cSld>
@@ -6656,61 +6814,126 @@
             <p:ph type="title"/>
           </p:nvPr>
         </p:nvSpPr>
+        <p:spPr>
+          <a:xfrm>
+            <a:off x="-649289" y="914400"/>
+            <a:ext cx="10018713" cy="1752599"/>
+          </a:xfrm>
+        </p:spPr>
+        <p:txBody>
+          <a:bodyPr>
+            <a:normAutofit/>
+          </a:bodyPr>
+          <a:lstStyle/>
+          <a:p>
+            <a:r>
+              <a:rPr lang="es-ES" sz="6600" dirty="0" smtClean="0">
+                <a:solidFill>
+                  <a:schemeClr val="accent1">
+                    <a:lumMod val="75000"/>
+                  </a:schemeClr>
+                </a:solidFill>
+              </a:rPr>
+              <a:t>Clase </a:t>
+            </a:r>
+            <a:r>
+              <a:rPr lang="es-ES" sz="6600" dirty="0" err="1" smtClean="0">
+                <a:solidFill>
+                  <a:schemeClr val="accent1">
+                    <a:lumMod val="75000"/>
+                  </a:schemeClr>
+                </a:solidFill>
+              </a:rPr>
+              <a:t>Harpoon</a:t>
+            </a:r>
+            <a:endParaRPr lang="es-ES" sz="6600" dirty="0">
+              <a:solidFill>
+                <a:schemeClr val="accent1">
+                  <a:lumMod val="75000"/>
+                </a:schemeClr>
+              </a:solidFill>
+            </a:endParaRPr>
+          </a:p>
+        </p:txBody>
+      </p:sp>
+      <p:sp>
+        <p:nvSpPr>
+          <p:cNvPr id="3" name="Marcador de contenido 2"/>
+          <p:cNvSpPr>
+            <a:spLocks noGrp="1"/>
+          </p:cNvSpPr>
+          <p:nvPr>
+            <p:ph sz="half" idx="1"/>
+          </p:nvPr>
+        </p:nvSpPr>
         <p:spPr/>
         <p:txBody>
-          <a:bodyPr/>
-          <a:lstStyle/>
-          <a:p>
-            <a:r>
-              <a:rPr lang="es-ES" dirty="0" smtClean="0"/>
-              <a:t>Cambios en el motor</a:t>
-            </a:r>
-            <a:endParaRPr lang="es-ES" dirty="0"/>
-          </a:p>
-        </p:txBody>
-      </p:sp>
-      <p:sp>
-        <p:nvSpPr>
-          <p:cNvPr id="3" name="Marcador de contenido 2"/>
-          <p:cNvSpPr>
-            <a:spLocks noGrp="1"/>
-          </p:cNvSpPr>
-          <p:nvPr>
-            <p:ph sz="half" idx="1"/>
-          </p:nvPr>
-        </p:nvSpPr>
-        <p:spPr/>
-        <p:txBody>
-          <a:bodyPr/>
-          <a:lstStyle/>
-          <a:p>
-            <a:endParaRPr lang="es-ES"/>
-          </a:p>
-        </p:txBody>
-      </p:sp>
-      <p:sp>
-        <p:nvSpPr>
-          <p:cNvPr id="4" name="Marcador de contenido 3"/>
-          <p:cNvSpPr>
-            <a:spLocks noGrp="1"/>
-          </p:cNvSpPr>
+          <a:bodyPr>
+            <a:normAutofit/>
+          </a:bodyPr>
+          <a:lstStyle/>
+          <a:p>
+            <a:r>
+              <a:rPr lang="es-ES" sz="3200" dirty="0" smtClean="0"/>
+              <a:t>Clase </a:t>
+            </a:r>
+            <a:r>
+              <a:rPr lang="es-ES" sz="3200" dirty="0" err="1" smtClean="0"/>
+              <a:t>MovingSprite</a:t>
+            </a:r>
+            <a:endParaRPr lang="es-ES" sz="3200" dirty="0" smtClean="0"/>
+          </a:p>
+          <a:p>
+            <a:r>
+              <a:rPr lang="es-ES" sz="3200" dirty="0" smtClean="0"/>
+              <a:t>Máscara: Amigo</a:t>
+            </a:r>
+          </a:p>
+          <a:p>
+            <a:r>
+              <a:rPr lang="es-ES" sz="3200" dirty="0" smtClean="0"/>
+              <a:t>Escala: 2</a:t>
+            </a:r>
+          </a:p>
+          <a:p>
+            <a:r>
+              <a:rPr lang="es-ES" sz="3200" dirty="0" smtClean="0"/>
+              <a:t>Colisiones: Enemigo</a:t>
+            </a:r>
+            <a:endParaRPr lang="es-ES" sz="3200" dirty="0"/>
+          </a:p>
+        </p:txBody>
+      </p:sp>
+      <p:pic>
+        <p:nvPicPr>
+          <p:cNvPr id="7" name="Marcador de contenido 6"/>
+          <p:cNvPicPr>
+            <a:picLocks noGrp="1" noChangeAspect="1"/>
+          </p:cNvPicPr>
           <p:nvPr>
             <p:ph sz="half" idx="2"/>
           </p:nvPr>
-        </p:nvSpPr>
-        <p:spPr/>
-        <p:txBody>
-          <a:bodyPr/>
-          <a:lstStyle/>
-          <a:p>
-            <a:endParaRPr lang="es-ES"/>
-          </a:p>
-        </p:txBody>
-      </p:sp>
+        </p:nvPicPr>
+        <p:blipFill>
+          <a:blip r:embed="rId2"/>
+          <a:stretch>
+            <a:fillRect/>
+          </a:stretch>
+        </p:blipFill>
+        <p:spPr>
+          <a:xfrm>
+            <a:off x="7931457" y="368612"/>
+            <a:ext cx="3219143" cy="6049600"/>
+          </a:xfrm>
+          <a:prstGeom prst="rect">
+            <a:avLst/>
+          </a:prstGeom>
+        </p:spPr>
+      </p:pic>
     </p:spTree>
     <p:extLst>
       <p:ext uri="{BB962C8B-B14F-4D97-AF65-F5344CB8AC3E}">
-        <p14:creationId xmlns:p14="http://schemas.microsoft.com/office/powerpoint/2010/main" val="3775007729"/>
+        <p14:creationId xmlns:p14="http://schemas.microsoft.com/office/powerpoint/2010/main" val="1049706512"/>
       </p:ext>
     </p:extLst>
   </p:cSld>
@@ -6754,37 +6977,22 @@
             <p:ph type="title"/>
           </p:nvPr>
         </p:nvSpPr>
-        <p:spPr>
-          <a:xfrm>
-            <a:off x="1484310" y="0"/>
-            <a:ext cx="10018713" cy="1752599"/>
-          </a:xfrm>
-        </p:spPr>
+        <p:spPr/>
         <p:txBody>
           <a:bodyPr>
-            <a:noAutofit/>
+            <a:normAutofit/>
           </a:bodyPr>
           <a:lstStyle/>
           <a:p>
             <a:r>
-              <a:rPr lang="es-ES" sz="6600" dirty="0">
+              <a:rPr lang="es-ES" sz="6600" dirty="0" smtClean="0">
                 <a:solidFill>
                   <a:schemeClr val="accent1">
                     <a:lumMod val="75000"/>
                   </a:schemeClr>
                 </a:solidFill>
               </a:rPr>
-              <a:t>Desarrollo </a:t>
-            </a:r>
-            <a:r>
-              <a:rPr lang="es-ES" sz="6600" dirty="0" smtClean="0">
-                <a:solidFill>
-                  <a:schemeClr val="accent1">
-                    <a:lumMod val="75000"/>
-                  </a:schemeClr>
-                </a:solidFill>
-              </a:rPr>
-              <a:t>y problemas</a:t>
+              <a:t>Clase Player</a:t>
             </a:r>
             <a:endParaRPr lang="es-ES" sz="6600" dirty="0">
               <a:solidFill>
@@ -6808,118 +7016,162 @@
         </p:nvSpPr>
         <p:spPr>
           <a:xfrm>
-            <a:off x="1269999" y="1981201"/>
-            <a:ext cx="5223667" cy="4254500"/>
+            <a:off x="1484311" y="2438399"/>
+            <a:ext cx="4895055" cy="3124201"/>
           </a:xfrm>
         </p:spPr>
         <p:txBody>
           <a:bodyPr>
-            <a:normAutofit lnSpcReduction="10000"/>
+            <a:normAutofit/>
           </a:bodyPr>
           <a:lstStyle/>
           <a:p>
             <a:r>
               <a:rPr lang="es-ES" sz="3200" dirty="0" smtClean="0"/>
-              <a:t>Carga de los </a:t>
-            </a:r>
-            <a:r>
-              <a:rPr lang="es-ES" sz="3200" dirty="0" err="1" smtClean="0"/>
-              <a:t>sprites</a:t>
-            </a:r>
+              <a:t>Máscara: Amigo</a:t>
+            </a:r>
+          </a:p>
+          <a:p>
             <a:r>
               <a:rPr lang="es-ES" sz="3200" dirty="0" smtClean="0"/>
-              <a:t> de </a:t>
-            </a:r>
-            <a:r>
-              <a:rPr lang="es-ES" sz="3200" dirty="0" err="1" smtClean="0"/>
-              <a:t>background</a:t>
-            </a:r>
-            <a:endParaRPr lang="es-ES" sz="3200" dirty="0" smtClean="0"/>
-          </a:p>
-          <a:p>
-            <a:endParaRPr lang="es-ES" sz="3200" dirty="0" smtClean="0"/>
+              <a:t>Escala: 2</a:t>
+            </a:r>
           </a:p>
           <a:p>
             <a:r>
               <a:rPr lang="es-ES" sz="3200" dirty="0" smtClean="0"/>
-              <a:t>Carga del resto de </a:t>
-            </a:r>
-            <a:r>
-              <a:rPr lang="es-ES" sz="3200" dirty="0" err="1" smtClean="0"/>
-              <a:t>sprites</a:t>
-            </a:r>
-            <a:endParaRPr lang="es-ES" sz="3200" dirty="0" smtClean="0"/>
-          </a:p>
-          <a:p>
-            <a:endParaRPr lang="es-ES" sz="3200" dirty="0" smtClean="0"/>
-          </a:p>
-          <a:p>
-            <a:r>
-              <a:rPr lang="es-ES" sz="3200" dirty="0" smtClean="0"/>
-              <a:t>Creación del jugador con animaciones de movimiento</a:t>
-            </a:r>
-          </a:p>
-          <a:p>
+              <a:t>Colisiones: Partículas y Defecto</a:t>
+            </a:r>
             <a:endParaRPr lang="es-ES" sz="3200" dirty="0"/>
           </a:p>
         </p:txBody>
       </p:sp>
-      <p:sp>
-        <p:nvSpPr>
-          <p:cNvPr id="4" name="Marcador de contenido 3"/>
-          <p:cNvSpPr>
-            <a:spLocks noGrp="1"/>
-          </p:cNvSpPr>
+      <p:pic>
+        <p:nvPicPr>
+          <p:cNvPr id="5" name="Marcador de contenido 4"/>
+          <p:cNvPicPr>
+            <a:picLocks noGrp="1" noChangeAspect="1"/>
+          </p:cNvPicPr>
           <p:nvPr>
             <p:ph sz="half" idx="2"/>
           </p:nvPr>
-        </p:nvSpPr>
-        <p:spPr>
-          <a:xfrm>
-            <a:off x="6834976" y="1752599"/>
-            <a:ext cx="5166523" cy="4254499"/>
-          </a:xfrm>
-        </p:spPr>
-        <p:txBody>
-          <a:bodyPr>
-            <a:normAutofit lnSpcReduction="10000"/>
-          </a:bodyPr>
-          <a:lstStyle/>
-          <a:p>
-            <a:r>
-              <a:rPr lang="es-ES" sz="3200" dirty="0" smtClean="0"/>
-              <a:t>Problemas con el tamaño apropiado para el juego</a:t>
-            </a:r>
-          </a:p>
-          <a:p>
-            <a:endParaRPr lang="es-ES" sz="3200" dirty="0" smtClean="0"/>
-          </a:p>
-          <a:p>
-            <a:r>
-              <a:rPr lang="es-ES" sz="3200" dirty="0" smtClean="0"/>
-              <a:t>Problemas con los bordes</a:t>
-            </a:r>
-          </a:p>
-          <a:p>
-            <a:endParaRPr lang="es-ES" sz="3200" dirty="0" smtClean="0"/>
-          </a:p>
-          <a:p>
-            <a:r>
-              <a:rPr lang="es-ES" sz="3200" dirty="0" smtClean="0"/>
-              <a:t>Problemas en tamaño de los </a:t>
-            </a:r>
-            <a:r>
-              <a:rPr lang="es-ES" sz="3200" dirty="0" err="1" smtClean="0"/>
-              <a:t>frames</a:t>
-            </a:r>
-            <a:endParaRPr lang="es-ES" sz="3200" dirty="0"/>
-          </a:p>
-        </p:txBody>
-      </p:sp>
+        </p:nvPicPr>
+        <p:blipFill>
+          <a:blip r:embed="rId2"/>
+          <a:stretch>
+            <a:fillRect/>
+          </a:stretch>
+        </p:blipFill>
+        <p:spPr>
+          <a:xfrm>
+            <a:off x="9382124" y="4091574"/>
+            <a:ext cx="1337682" cy="1322128"/>
+          </a:xfrm>
+          <a:prstGeom prst="rect">
+            <a:avLst/>
+          </a:prstGeom>
+        </p:spPr>
+      </p:pic>
+      <p:pic>
+        <p:nvPicPr>
+          <p:cNvPr id="6" name="Imagen 5"/>
+          <p:cNvPicPr>
+            <a:picLocks noChangeAspect="1"/>
+          </p:cNvPicPr>
+          <p:nvPr/>
+        </p:nvPicPr>
+        <p:blipFill>
+          <a:blip r:embed="rId3"/>
+          <a:stretch>
+            <a:fillRect/>
+          </a:stretch>
+        </p:blipFill>
+        <p:spPr>
+          <a:xfrm>
+            <a:off x="7360838" y="4091574"/>
+            <a:ext cx="1408113" cy="1341849"/>
+          </a:xfrm>
+          <a:prstGeom prst="rect">
+            <a:avLst/>
+          </a:prstGeom>
+        </p:spPr>
+      </p:pic>
+      <p:pic>
+        <p:nvPicPr>
+          <p:cNvPr id="7" name="Imagen 6"/>
+          <p:cNvPicPr>
+            <a:picLocks noChangeAspect="1"/>
+          </p:cNvPicPr>
+          <p:nvPr/>
+        </p:nvPicPr>
+        <p:blipFill>
+          <a:blip r:embed="rId4"/>
+          <a:stretch>
+            <a:fillRect/>
+          </a:stretch>
+        </p:blipFill>
+        <p:spPr>
+          <a:xfrm>
+            <a:off x="10283802" y="2447129"/>
+            <a:ext cx="1311298" cy="1147764"/>
+          </a:xfrm>
+          <a:prstGeom prst="rect">
+            <a:avLst/>
+          </a:prstGeom>
+        </p:spPr>
+      </p:pic>
+      <p:pic>
+        <p:nvPicPr>
+          <p:cNvPr id="8" name="Imagen 7"/>
+          <p:cNvPicPr>
+            <a:picLocks noChangeAspect="1"/>
+          </p:cNvPicPr>
+          <p:nvPr/>
+        </p:nvPicPr>
+        <p:blipFill>
+          <a:blip r:embed="rId5"/>
+          <a:stretch>
+            <a:fillRect/>
+          </a:stretch>
+        </p:blipFill>
+        <p:spPr>
+          <a:xfrm>
+            <a:off x="8481738" y="2447151"/>
+            <a:ext cx="1230711" cy="1147742"/>
+          </a:xfrm>
+          <a:prstGeom prst="rect">
+            <a:avLst/>
+          </a:prstGeom>
+        </p:spPr>
+      </p:pic>
+      <p:pic>
+        <p:nvPicPr>
+          <p:cNvPr id="10" name="Imagen 9"/>
+          <p:cNvPicPr>
+            <a:picLocks noChangeAspect="1"/>
+          </p:cNvPicPr>
+          <p:nvPr/>
+        </p:nvPicPr>
+        <p:blipFill>
+          <a:blip r:embed="rId6"/>
+          <a:stretch>
+            <a:fillRect/>
+          </a:stretch>
+        </p:blipFill>
+        <p:spPr>
+          <a:xfrm>
+            <a:off x="6719800" y="2447129"/>
+            <a:ext cx="1282077" cy="1147764"/>
+          </a:xfrm>
+          <a:prstGeom prst="rect">
+            <a:avLst/>
+          </a:prstGeom>
+        </p:spPr>
+      </p:pic>
     </p:spTree>
     <p:extLst>
       <p:ext uri="{BB962C8B-B14F-4D97-AF65-F5344CB8AC3E}">
-        <p14:creationId xmlns:p14="http://schemas.microsoft.com/office/powerpoint/2010/main" val="2465582617"/>
+        <p14:creationId xmlns:p14="http://schemas.microsoft.com/office/powerpoint/2010/main" val="872896981"/>
       </p:ext>
     </p:extLst>
   </p:cSld>
@@ -6965,35 +7217,25 @@
         </p:nvSpPr>
         <p:spPr>
           <a:xfrm>
-            <a:off x="1484310" y="0"/>
+            <a:off x="1484310" y="302611"/>
             <a:ext cx="10018713" cy="1752599"/>
           </a:xfrm>
         </p:spPr>
         <p:txBody>
           <a:bodyPr>
-            <a:noAutofit/>
+            <a:normAutofit/>
           </a:bodyPr>
           <a:lstStyle/>
           <a:p>
             <a:r>
-              <a:rPr lang="es-ES" sz="6600" dirty="0">
+              <a:rPr lang="es-ES" sz="6600" dirty="0" smtClean="0">
                 <a:solidFill>
                   <a:schemeClr val="accent1">
                     <a:lumMod val="75000"/>
                   </a:schemeClr>
                 </a:solidFill>
               </a:rPr>
-              <a:t>Desarrollo </a:t>
-            </a:r>
-            <a:r>
-              <a:rPr lang="es-ES" sz="6600" dirty="0" smtClean="0">
-                <a:solidFill>
-                  <a:schemeClr val="accent1">
-                    <a:lumMod val="75000"/>
-                  </a:schemeClr>
-                </a:solidFill>
-              </a:rPr>
-              <a:t>y problemas</a:t>
+              <a:t>Animaciones</a:t>
             </a:r>
             <a:endParaRPr lang="es-ES" sz="6600" dirty="0">
               <a:solidFill>
@@ -7007,106 +7249,154 @@
       </p:sp>
       <p:sp>
         <p:nvSpPr>
-          <p:cNvPr id="3" name="Marcador de contenido 2"/>
-          <p:cNvSpPr>
-            <a:spLocks noGrp="1"/>
-          </p:cNvSpPr>
-          <p:nvPr>
-            <p:ph sz="half" idx="1"/>
-          </p:nvPr>
-        </p:nvSpPr>
-        <p:spPr>
-          <a:xfrm>
-            <a:off x="1346199" y="1752599"/>
-            <a:ext cx="5147467" cy="4254500"/>
-          </a:xfrm>
-        </p:spPr>
-        <p:txBody>
-          <a:bodyPr>
-            <a:normAutofit/>
+          <p:cNvPr id="3" name="Marcador de texto 2"/>
+          <p:cNvSpPr>
+            <a:spLocks noGrp="1"/>
+          </p:cNvSpPr>
+          <p:nvPr>
+            <p:ph type="body" idx="1"/>
+          </p:nvPr>
+        </p:nvSpPr>
+        <p:spPr>
+          <a:xfrm>
+            <a:off x="2000779" y="1937032"/>
+            <a:ext cx="4607188" cy="576262"/>
+          </a:xfrm>
+        </p:spPr>
+        <p:txBody>
+          <a:bodyPr/>
+          <a:lstStyle/>
+          <a:p>
+            <a:r>
+              <a:rPr lang="es-ES" dirty="0" smtClean="0"/>
+              <a:t>Jugador</a:t>
+            </a:r>
+            <a:endParaRPr lang="es-ES" dirty="0"/>
+          </a:p>
+        </p:txBody>
+      </p:sp>
+      <p:pic>
+        <p:nvPicPr>
+          <p:cNvPr id="8" name="Marcador de contenido 7"/>
+          <p:cNvPicPr>
+            <a:picLocks noGrp="1" noChangeAspect="1"/>
+          </p:cNvPicPr>
+          <p:nvPr>
+            <p:ph sz="half" idx="2"/>
+          </p:nvPr>
+        </p:nvPicPr>
+        <p:blipFill>
+          <a:blip r:embed="rId2"/>
+          <a:stretch>
+            <a:fillRect/>
+          </a:stretch>
+        </p:blipFill>
+        <p:spPr>
+          <a:xfrm>
+            <a:off x="2461495" y="3096810"/>
+            <a:ext cx="7714369" cy="3253190"/>
+          </a:xfrm>
+          <a:prstGeom prst="rect">
+            <a:avLst/>
+          </a:prstGeom>
+        </p:spPr>
+      </p:pic>
+      <p:sp>
+        <p:nvSpPr>
+          <p:cNvPr id="5" name="Marcador de texto 4"/>
+          <p:cNvSpPr>
+            <a:spLocks noGrp="1"/>
+          </p:cNvSpPr>
+          <p:nvPr>
+            <p:ph type="body" sz="quarter" idx="3"/>
+          </p:nvPr>
+        </p:nvSpPr>
+        <p:spPr>
+          <a:xfrm>
+            <a:off x="5332009" y="1937032"/>
+            <a:ext cx="4622537" cy="576262"/>
+          </a:xfrm>
+        </p:spPr>
+        <p:txBody>
+          <a:bodyPr/>
+          <a:lstStyle/>
+          <a:p>
+            <a:r>
+              <a:rPr lang="es-ES" dirty="0" err="1" smtClean="0"/>
+              <a:t>Harpoon</a:t>
+            </a:r>
+            <a:endParaRPr lang="es-ES" dirty="0"/>
+          </a:p>
+        </p:txBody>
+      </p:sp>
+      <p:sp>
+        <p:nvSpPr>
+          <p:cNvPr id="6" name="Marcador de contenido 5"/>
+          <p:cNvSpPr>
+            <a:spLocks noGrp="1"/>
+          </p:cNvSpPr>
+          <p:nvPr>
+            <p:ph sz="quarter" idx="4"/>
+          </p:nvPr>
+        </p:nvSpPr>
+        <p:spPr/>
+        <p:txBody>
+          <a:bodyPr/>
+          <a:lstStyle/>
+          <a:p>
+            <a:pPr marL="0" indent="0">
+              <a:buNone/>
+            </a:pPr>
+            <a:endParaRPr lang="es-ES" dirty="0"/>
+          </a:p>
+        </p:txBody>
+      </p:sp>
+      <p:sp>
+        <p:nvSpPr>
+          <p:cNvPr id="7" name="CuadroTexto 6"/>
+          <p:cNvSpPr txBox="1"/>
+          <p:nvPr/>
+        </p:nvSpPr>
+        <p:spPr>
+          <a:xfrm>
+            <a:off x="8659146" y="1990074"/>
+            <a:ext cx="2590800" cy="523220"/>
+          </a:xfrm>
+          <a:prstGeom prst="rect">
+            <a:avLst/>
+          </a:prstGeom>
+          <a:noFill/>
+        </p:spPr>
+        <p:txBody>
+          <a:bodyPr wrap="square" rtlCol="0">
+            <a:spAutoFit/>
           </a:bodyPr>
           <a:lstStyle/>
           <a:p>
             <a:r>
-              <a:rPr lang="es-ES" sz="3200" dirty="0" smtClean="0"/>
-              <a:t>Generador de pelotas</a:t>
-            </a:r>
-          </a:p>
-          <a:p>
-            <a:endParaRPr lang="es-ES" sz="3200" dirty="0" smtClean="0"/>
-          </a:p>
-          <a:p>
-            <a:r>
-              <a:rPr lang="es-ES" sz="3200" dirty="0" smtClean="0"/>
-              <a:t>Disparo del arpón</a:t>
-            </a:r>
-          </a:p>
-          <a:p>
-            <a:endParaRPr lang="es-ES" sz="3200" dirty="0" smtClean="0"/>
-          </a:p>
-          <a:p>
-            <a:r>
-              <a:rPr lang="es-ES" sz="3200" dirty="0" smtClean="0"/>
-              <a:t>Colisiones entre pelotas</a:t>
-            </a:r>
-          </a:p>
-          <a:p>
-            <a:endParaRPr lang="es-ES" sz="3200" dirty="0"/>
-          </a:p>
-        </p:txBody>
-      </p:sp>
-      <p:sp>
-        <p:nvSpPr>
-          <p:cNvPr id="4" name="Marcador de contenido 3"/>
-          <p:cNvSpPr>
-            <a:spLocks noGrp="1"/>
-          </p:cNvSpPr>
-          <p:nvPr>
-            <p:ph sz="half" idx="2"/>
-          </p:nvPr>
-        </p:nvSpPr>
-        <p:spPr>
-          <a:xfrm>
-            <a:off x="6631777" y="1549401"/>
-            <a:ext cx="5166523" cy="4254499"/>
-          </a:xfrm>
-        </p:spPr>
-        <p:txBody>
-          <a:bodyPr>
-            <a:normAutofit/>
-          </a:bodyPr>
-          <a:lstStyle/>
-          <a:p>
-            <a:r>
-              <a:rPr lang="es-ES" sz="3200" dirty="0" smtClean="0"/>
-              <a:t>Problemas con la dificultad</a:t>
-            </a:r>
-          </a:p>
-          <a:p>
-            <a:endParaRPr lang="es-ES" sz="3200" dirty="0" smtClean="0"/>
-          </a:p>
-          <a:p>
-            <a:r>
-              <a:rPr lang="es-ES" sz="3200" dirty="0" smtClean="0"/>
-              <a:t>Disparo provisional</a:t>
-            </a:r>
-          </a:p>
-          <a:p>
-            <a:endParaRPr lang="es-ES" sz="3200" dirty="0" smtClean="0"/>
-          </a:p>
-          <a:p>
-            <a:r>
-              <a:rPr lang="es-ES" sz="3200" dirty="0" smtClean="0"/>
-              <a:t>Máscaras de colisión</a:t>
-            </a:r>
-            <a:endParaRPr lang="es-ES" sz="3200" dirty="0"/>
+              <a:rPr lang="es-ES" sz="2800" dirty="0" smtClean="0">
+                <a:solidFill>
+                  <a:schemeClr val="accent1">
+                    <a:lumMod val="75000"/>
+                  </a:schemeClr>
+                </a:solidFill>
+              </a:rPr>
+              <a:t>Bola Especial</a:t>
+            </a:r>
+            <a:endParaRPr lang="es-ES" sz="2800" dirty="0">
+              <a:solidFill>
+                <a:schemeClr val="accent1">
+                  <a:lumMod val="75000"/>
+                </a:schemeClr>
+              </a:solidFill>
+            </a:endParaRPr>
           </a:p>
         </p:txBody>
       </p:sp>
     </p:spTree>
     <p:extLst>
       <p:ext uri="{BB962C8B-B14F-4D97-AF65-F5344CB8AC3E}">
-        <p14:creationId xmlns:p14="http://schemas.microsoft.com/office/powerpoint/2010/main" val="1907516208"/>
+        <p14:creationId xmlns:p14="http://schemas.microsoft.com/office/powerpoint/2010/main" val="2071104601"/>
       </p:ext>
     </p:extLst>
   </p:cSld>
@@ -7152,35 +7442,25 @@
         </p:nvSpPr>
         <p:spPr>
           <a:xfrm>
-            <a:off x="1484310" y="0"/>
+            <a:off x="1484312" y="317500"/>
             <a:ext cx="10018713" cy="1752599"/>
           </a:xfrm>
         </p:spPr>
         <p:txBody>
           <a:bodyPr>
-            <a:noAutofit/>
+            <a:normAutofit/>
           </a:bodyPr>
           <a:lstStyle/>
           <a:p>
             <a:r>
-              <a:rPr lang="es-ES" sz="6600" dirty="0">
+              <a:rPr lang="es-ES" sz="6600" dirty="0" smtClean="0">
                 <a:solidFill>
                   <a:schemeClr val="accent1">
                     <a:lumMod val="75000"/>
                   </a:schemeClr>
                 </a:solidFill>
               </a:rPr>
-              <a:t>Desarrollo </a:t>
-            </a:r>
-            <a:r>
-              <a:rPr lang="es-ES" sz="6600" dirty="0" smtClean="0">
-                <a:solidFill>
-                  <a:schemeClr val="accent1">
-                    <a:lumMod val="75000"/>
-                  </a:schemeClr>
-                </a:solidFill>
-              </a:rPr>
-              <a:t>y problemas</a:t>
+              <a:t>Generador de pelotas</a:t>
             </a:r>
             <a:endParaRPr lang="es-ES" sz="6600" dirty="0">
               <a:solidFill>
@@ -7202,34 +7482,12 @@
             <p:ph sz="half" idx="1"/>
           </p:nvPr>
         </p:nvSpPr>
-        <p:spPr>
-          <a:xfrm>
-            <a:off x="1231900" y="1536701"/>
-            <a:ext cx="5147467" cy="4254500"/>
-          </a:xfrm>
-        </p:spPr>
-        <p:txBody>
-          <a:bodyPr>
-            <a:normAutofit/>
-          </a:bodyPr>
-          <a:lstStyle/>
-          <a:p>
-            <a:r>
-              <a:rPr lang="es-ES" sz="3200" dirty="0" smtClean="0"/>
-              <a:t>Colisión entre pelotas y arpón</a:t>
-            </a:r>
-          </a:p>
-          <a:p>
-            <a:endParaRPr lang="es-ES" sz="3200" dirty="0" smtClean="0"/>
-          </a:p>
-          <a:p>
-            <a:r>
-              <a:rPr lang="es-ES" sz="3200" dirty="0" smtClean="0"/>
-              <a:t>Animaciones de victoria y derrota del jugador</a:t>
-            </a:r>
-          </a:p>
-          <a:p>
-            <a:endParaRPr lang="es-ES" sz="3200" dirty="0"/>
+        <p:spPr/>
+        <p:txBody>
+          <a:bodyPr/>
+          <a:lstStyle/>
+          <a:p>
+            <a:endParaRPr lang="es-ES"/>
           </a:p>
         </p:txBody>
       </p:sp>
@@ -7243,47 +7501,43 @@
             <p:ph sz="half" idx="2"/>
           </p:nvPr>
         </p:nvSpPr>
-        <p:spPr>
-          <a:xfrm>
-            <a:off x="6771476" y="1181101"/>
-            <a:ext cx="5166523" cy="4254499"/>
-          </a:xfrm>
-        </p:spPr>
-        <p:txBody>
-          <a:bodyPr>
-            <a:normAutofit/>
-          </a:bodyPr>
-          <a:lstStyle/>
-          <a:p>
-            <a:pPr marL="0" indent="0">
-              <a:buNone/>
-            </a:pPr>
-            <a:endParaRPr lang="es-ES" sz="3200" dirty="0"/>
-          </a:p>
-          <a:p>
-            <a:pPr marL="0" indent="0">
-              <a:buNone/>
-            </a:pPr>
-            <a:endParaRPr lang="es-ES" sz="3200" dirty="0" smtClean="0"/>
-          </a:p>
-          <a:p>
-            <a:pPr marL="0" indent="0">
-              <a:buNone/>
-            </a:pPr>
-            <a:endParaRPr lang="es-ES" sz="3200" dirty="0" smtClean="0"/>
-          </a:p>
-          <a:p>
-            <a:r>
-              <a:rPr lang="es-ES" sz="3200" dirty="0" smtClean="0"/>
-              <a:t>Colisiones inapropiadas tras ganar o perder</a:t>
-            </a:r>
-          </a:p>
-        </p:txBody>
-      </p:sp>
+        <p:spPr/>
+        <p:txBody>
+          <a:bodyPr/>
+          <a:lstStyle/>
+          <a:p>
+            <a:endParaRPr lang="es-ES"/>
+          </a:p>
+        </p:txBody>
+      </p:sp>
+      <p:pic>
+        <p:nvPicPr>
+          <p:cNvPr id="6" name="Imagen 5"/>
+          <p:cNvPicPr>
+            <a:picLocks noChangeAspect="1"/>
+          </p:cNvPicPr>
+          <p:nvPr/>
+        </p:nvPicPr>
+        <p:blipFill>
+          <a:blip r:embed="rId2"/>
+          <a:stretch>
+            <a:fillRect/>
+          </a:stretch>
+        </p:blipFill>
+        <p:spPr>
+          <a:xfrm>
+            <a:off x="2705495" y="2025565"/>
+            <a:ext cx="7576346" cy="4407067"/>
+          </a:xfrm>
+          <a:prstGeom prst="rect">
+            <a:avLst/>
+          </a:prstGeom>
+        </p:spPr>
+      </p:pic>
     </p:spTree>
     <p:extLst>
       <p:ext uri="{BB962C8B-B14F-4D97-AF65-F5344CB8AC3E}">
-        <p14:creationId xmlns:p14="http://schemas.microsoft.com/office/powerpoint/2010/main" val="2343277955"/>
+        <p14:creationId xmlns:p14="http://schemas.microsoft.com/office/powerpoint/2010/main" val="3966515024"/>
       </p:ext>
     </p:extLst>
   </p:cSld>
@@ -7327,7 +7581,273 @@
             <p:ph type="title"/>
           </p:nvPr>
         </p:nvSpPr>
-        <p:spPr/>
+        <p:spPr>
+          <a:xfrm>
+            <a:off x="1484310" y="0"/>
+            <a:ext cx="10018713" cy="1752599"/>
+          </a:xfrm>
+        </p:spPr>
+        <p:txBody>
+          <a:bodyPr>
+            <a:noAutofit/>
+          </a:bodyPr>
+          <a:lstStyle/>
+          <a:p>
+            <a:r>
+              <a:rPr lang="es-ES" sz="6600" dirty="0">
+                <a:solidFill>
+                  <a:schemeClr val="accent1">
+                    <a:lumMod val="75000"/>
+                  </a:schemeClr>
+                </a:solidFill>
+              </a:rPr>
+              <a:t>Desarrollo </a:t>
+            </a:r>
+            <a:r>
+              <a:rPr lang="es-ES" sz="6600" dirty="0" smtClean="0">
+                <a:solidFill>
+                  <a:schemeClr val="accent1">
+                    <a:lumMod val="75000"/>
+                  </a:schemeClr>
+                </a:solidFill>
+              </a:rPr>
+              <a:t>y problemas</a:t>
+            </a:r>
+            <a:endParaRPr lang="es-ES" sz="6600" dirty="0">
+              <a:solidFill>
+                <a:schemeClr val="accent1">
+                  <a:lumMod val="75000"/>
+                </a:schemeClr>
+              </a:solidFill>
+            </a:endParaRPr>
+          </a:p>
+        </p:txBody>
+      </p:sp>
+      <p:sp>
+        <p:nvSpPr>
+          <p:cNvPr id="3" name="Marcador de contenido 2"/>
+          <p:cNvSpPr>
+            <a:spLocks noGrp="1"/>
+          </p:cNvSpPr>
+          <p:nvPr>
+            <p:ph sz="half" idx="1"/>
+          </p:nvPr>
+        </p:nvSpPr>
+        <p:spPr>
+          <a:xfrm>
+            <a:off x="1269999" y="1981201"/>
+            <a:ext cx="5223667" cy="4254500"/>
+          </a:xfrm>
+        </p:spPr>
+        <p:txBody>
+          <a:bodyPr>
+            <a:normAutofit lnSpcReduction="10000"/>
+          </a:bodyPr>
+          <a:lstStyle/>
+          <a:p>
+            <a:r>
+              <a:rPr lang="es-ES" sz="3200" dirty="0" smtClean="0"/>
+              <a:t>Carga de los </a:t>
+            </a:r>
+            <a:r>
+              <a:rPr lang="es-ES" sz="3200" dirty="0" err="1" smtClean="0"/>
+              <a:t>sprites</a:t>
+            </a:r>
+            <a:r>
+              <a:rPr lang="es-ES" sz="3200" dirty="0" smtClean="0"/>
+              <a:t> de </a:t>
+            </a:r>
+            <a:r>
+              <a:rPr lang="es-ES" sz="3200" dirty="0" err="1" smtClean="0"/>
+              <a:t>background</a:t>
+            </a:r>
+            <a:endParaRPr lang="es-ES" sz="3200" dirty="0" smtClean="0"/>
+          </a:p>
+          <a:p>
+            <a:endParaRPr lang="es-ES" sz="3200" dirty="0" smtClean="0"/>
+          </a:p>
+          <a:p>
+            <a:r>
+              <a:rPr lang="es-ES" sz="3200" dirty="0" smtClean="0"/>
+              <a:t>Carga del resto de </a:t>
+            </a:r>
+            <a:r>
+              <a:rPr lang="es-ES" sz="3200" dirty="0" err="1" smtClean="0"/>
+              <a:t>sprites</a:t>
+            </a:r>
+            <a:endParaRPr lang="es-ES" sz="3200" dirty="0" smtClean="0"/>
+          </a:p>
+          <a:p>
+            <a:endParaRPr lang="es-ES" sz="3200" dirty="0" smtClean="0"/>
+          </a:p>
+          <a:p>
+            <a:r>
+              <a:rPr lang="es-ES" sz="3200" dirty="0" smtClean="0"/>
+              <a:t>Creación del jugador con animaciones de movimiento</a:t>
+            </a:r>
+          </a:p>
+          <a:p>
+            <a:endParaRPr lang="es-ES" sz="3200" dirty="0"/>
+          </a:p>
+        </p:txBody>
+      </p:sp>
+      <p:sp>
+        <p:nvSpPr>
+          <p:cNvPr id="4" name="Marcador de contenido 3"/>
+          <p:cNvSpPr>
+            <a:spLocks noGrp="1"/>
+          </p:cNvSpPr>
+          <p:nvPr>
+            <p:ph sz="half" idx="2"/>
+          </p:nvPr>
+        </p:nvSpPr>
+        <p:spPr>
+          <a:xfrm>
+            <a:off x="6834976" y="1752599"/>
+            <a:ext cx="5166523" cy="4254499"/>
+          </a:xfrm>
+        </p:spPr>
+        <p:txBody>
+          <a:bodyPr>
+            <a:normAutofit lnSpcReduction="10000"/>
+          </a:bodyPr>
+          <a:lstStyle/>
+          <a:p>
+            <a:r>
+              <a:rPr lang="es-ES" sz="3200" dirty="0" smtClean="0"/>
+              <a:t>Problemas con el tamaño apropiado para el juego</a:t>
+            </a:r>
+          </a:p>
+          <a:p>
+            <a:endParaRPr lang="es-ES" sz="3200" dirty="0" smtClean="0"/>
+          </a:p>
+          <a:p>
+            <a:r>
+              <a:rPr lang="es-ES" sz="3200" dirty="0" smtClean="0"/>
+              <a:t>Problemas con los bordes</a:t>
+            </a:r>
+          </a:p>
+          <a:p>
+            <a:endParaRPr lang="es-ES" sz="3200" dirty="0" smtClean="0"/>
+          </a:p>
+          <a:p>
+            <a:r>
+              <a:rPr lang="es-ES" sz="3200" dirty="0" smtClean="0"/>
+              <a:t>Problemas en tamaño de los </a:t>
+            </a:r>
+            <a:r>
+              <a:rPr lang="es-ES" sz="3200" dirty="0" err="1" smtClean="0"/>
+              <a:t>frames</a:t>
+            </a:r>
+            <a:endParaRPr lang="es-ES" sz="3200" dirty="0"/>
+          </a:p>
+        </p:txBody>
+      </p:sp>
+    </p:spTree>
+    <p:extLst>
+      <p:ext uri="{BB962C8B-B14F-4D97-AF65-F5344CB8AC3E}">
+        <p14:creationId xmlns:p14="http://schemas.microsoft.com/office/powerpoint/2010/main" val="2465582617"/>
+      </p:ext>
+    </p:extLst>
+  </p:cSld>
+  <p:clrMapOvr>
+    <a:masterClrMapping/>
+  </p:clrMapOvr>
+  <p:timing>
+    <p:tnLst>
+      <p:par>
+        <p:cTn id="1" dur="indefinite" restart="never" nodeType="tmRoot"/>
+      </p:par>
+    </p:tnLst>
+  </p:timing>
+</p:sld>
+</file>
+
+<file path=ppt/slides/slide18.xml><?xml version="1.0" encoding="utf-8"?>
+<p:sld xmlns:a="http://schemas.openxmlformats.org/drawingml/2006/main" xmlns:r="http://schemas.openxmlformats.org/officeDocument/2006/relationships" xmlns:p="http://schemas.openxmlformats.org/presentationml/2006/main">
+  <p:cSld>
+    <p:spTree>
+      <p:nvGrpSpPr>
+        <p:cNvPr id="1" name=""/>
+        <p:cNvGrpSpPr/>
+        <p:nvPr/>
+      </p:nvGrpSpPr>
+      <p:grpSpPr>
+        <a:xfrm>
+          <a:off x="0" y="0"/>
+          <a:ext cx="0" cy="0"/>
+          <a:chOff x="0" y="0"/>
+          <a:chExt cx="0" cy="0"/>
+        </a:xfrm>
+      </p:grpSpPr>
+      <p:sp>
+        <p:nvSpPr>
+          <p:cNvPr id="2" name="Título 1"/>
+          <p:cNvSpPr>
+            <a:spLocks noGrp="1"/>
+          </p:cNvSpPr>
+          <p:nvPr>
+            <p:ph type="title"/>
+          </p:nvPr>
+        </p:nvSpPr>
+        <p:spPr>
+          <a:xfrm>
+            <a:off x="1484310" y="0"/>
+            <a:ext cx="10018713" cy="1752599"/>
+          </a:xfrm>
+        </p:spPr>
+        <p:txBody>
+          <a:bodyPr>
+            <a:noAutofit/>
+          </a:bodyPr>
+          <a:lstStyle/>
+          <a:p>
+            <a:r>
+              <a:rPr lang="es-ES" sz="6600" dirty="0">
+                <a:solidFill>
+                  <a:schemeClr val="accent1">
+                    <a:lumMod val="75000"/>
+                  </a:schemeClr>
+                </a:solidFill>
+              </a:rPr>
+              <a:t>Desarrollo </a:t>
+            </a:r>
+            <a:r>
+              <a:rPr lang="es-ES" sz="6600" dirty="0" smtClean="0">
+                <a:solidFill>
+                  <a:schemeClr val="accent1">
+                    <a:lumMod val="75000"/>
+                  </a:schemeClr>
+                </a:solidFill>
+              </a:rPr>
+              <a:t>y problemas</a:t>
+            </a:r>
+            <a:endParaRPr lang="es-ES" sz="6600" dirty="0">
+              <a:solidFill>
+                <a:schemeClr val="accent1">
+                  <a:lumMod val="75000"/>
+                </a:schemeClr>
+              </a:solidFill>
+            </a:endParaRPr>
+          </a:p>
+        </p:txBody>
+      </p:sp>
+      <p:sp>
+        <p:nvSpPr>
+          <p:cNvPr id="3" name="Marcador de contenido 2"/>
+          <p:cNvSpPr>
+            <a:spLocks noGrp="1"/>
+          </p:cNvSpPr>
+          <p:nvPr>
+            <p:ph sz="half" idx="1"/>
+          </p:nvPr>
+        </p:nvSpPr>
+        <p:spPr>
+          <a:xfrm>
+            <a:off x="1346199" y="1752599"/>
+            <a:ext cx="5147467" cy="4254500"/>
+          </a:xfrm>
+        </p:spPr>
         <p:txBody>
           <a:bodyPr>
             <a:normAutofit/>
@@ -7335,6 +7855,141 @@
           <a:lstStyle/>
           <a:p>
             <a:r>
+              <a:rPr lang="es-ES" sz="3200" dirty="0" smtClean="0"/>
+              <a:t>Generador de pelotas</a:t>
+            </a:r>
+          </a:p>
+          <a:p>
+            <a:endParaRPr lang="es-ES" sz="3200" dirty="0" smtClean="0"/>
+          </a:p>
+          <a:p>
+            <a:r>
+              <a:rPr lang="es-ES" sz="3200" dirty="0" smtClean="0"/>
+              <a:t>Disparo del arpón</a:t>
+            </a:r>
+          </a:p>
+          <a:p>
+            <a:endParaRPr lang="es-ES" sz="3200" dirty="0" smtClean="0"/>
+          </a:p>
+          <a:p>
+            <a:r>
+              <a:rPr lang="es-ES" sz="3200" dirty="0" smtClean="0"/>
+              <a:t>Colisiones entre pelotas</a:t>
+            </a:r>
+          </a:p>
+          <a:p>
+            <a:endParaRPr lang="es-ES" sz="3200" dirty="0"/>
+          </a:p>
+        </p:txBody>
+      </p:sp>
+      <p:sp>
+        <p:nvSpPr>
+          <p:cNvPr id="4" name="Marcador de contenido 3"/>
+          <p:cNvSpPr>
+            <a:spLocks noGrp="1"/>
+          </p:cNvSpPr>
+          <p:nvPr>
+            <p:ph sz="half" idx="2"/>
+          </p:nvPr>
+        </p:nvSpPr>
+        <p:spPr>
+          <a:xfrm>
+            <a:off x="6631777" y="1549401"/>
+            <a:ext cx="5166523" cy="4254499"/>
+          </a:xfrm>
+        </p:spPr>
+        <p:txBody>
+          <a:bodyPr>
+            <a:normAutofit/>
+          </a:bodyPr>
+          <a:lstStyle/>
+          <a:p>
+            <a:r>
+              <a:rPr lang="es-ES" sz="3200" dirty="0" smtClean="0"/>
+              <a:t>Problemas con la dificultad</a:t>
+            </a:r>
+          </a:p>
+          <a:p>
+            <a:endParaRPr lang="es-ES" sz="3200" dirty="0" smtClean="0"/>
+          </a:p>
+          <a:p>
+            <a:r>
+              <a:rPr lang="es-ES" sz="3200" dirty="0" smtClean="0"/>
+              <a:t>Disparo provisional</a:t>
+            </a:r>
+          </a:p>
+          <a:p>
+            <a:endParaRPr lang="es-ES" sz="3200" dirty="0" smtClean="0"/>
+          </a:p>
+          <a:p>
+            <a:r>
+              <a:rPr lang="es-ES" sz="3200" dirty="0" smtClean="0"/>
+              <a:t>Máscaras de colisión</a:t>
+            </a:r>
+            <a:endParaRPr lang="es-ES" sz="3200" dirty="0"/>
+          </a:p>
+        </p:txBody>
+      </p:sp>
+    </p:spTree>
+    <p:extLst>
+      <p:ext uri="{BB962C8B-B14F-4D97-AF65-F5344CB8AC3E}">
+        <p14:creationId xmlns:p14="http://schemas.microsoft.com/office/powerpoint/2010/main" val="1907516208"/>
+      </p:ext>
+    </p:extLst>
+  </p:cSld>
+  <p:clrMapOvr>
+    <a:masterClrMapping/>
+  </p:clrMapOvr>
+  <p:timing>
+    <p:tnLst>
+      <p:par>
+        <p:cTn id="1" dur="indefinite" restart="never" nodeType="tmRoot"/>
+      </p:par>
+    </p:tnLst>
+  </p:timing>
+</p:sld>
+</file>
+
+<file path=ppt/slides/slide19.xml><?xml version="1.0" encoding="utf-8"?>
+<p:sld xmlns:a="http://schemas.openxmlformats.org/drawingml/2006/main" xmlns:r="http://schemas.openxmlformats.org/officeDocument/2006/relationships" xmlns:p="http://schemas.openxmlformats.org/presentationml/2006/main">
+  <p:cSld>
+    <p:spTree>
+      <p:nvGrpSpPr>
+        <p:cNvPr id="1" name=""/>
+        <p:cNvGrpSpPr/>
+        <p:nvPr/>
+      </p:nvGrpSpPr>
+      <p:grpSpPr>
+        <a:xfrm>
+          <a:off x="0" y="0"/>
+          <a:ext cx="0" cy="0"/>
+          <a:chOff x="0" y="0"/>
+          <a:chExt cx="0" cy="0"/>
+        </a:xfrm>
+      </p:grpSpPr>
+      <p:sp>
+        <p:nvSpPr>
+          <p:cNvPr id="2" name="Título 1"/>
+          <p:cNvSpPr>
+            <a:spLocks noGrp="1"/>
+          </p:cNvSpPr>
+          <p:nvPr>
+            <p:ph type="title"/>
+          </p:nvPr>
+        </p:nvSpPr>
+        <p:spPr>
+          <a:xfrm>
+            <a:off x="1484310" y="0"/>
+            <a:ext cx="10018713" cy="1752599"/>
+          </a:xfrm>
+        </p:spPr>
+        <p:txBody>
+          <a:bodyPr>
+            <a:noAutofit/>
+          </a:bodyPr>
+          <a:lstStyle/>
+          <a:p>
+            <a:r>
               <a:rPr lang="es-ES" sz="6600" dirty="0">
                 <a:solidFill>
                   <a:schemeClr val="accent1">
@@ -7342,8 +7997,25 @@
                   </a:schemeClr>
                 </a:solidFill>
               </a:rPr>
-              <a:t>Trabajo restante</a:t>
-            </a:r>
+              <a:t>Desarrollo </a:t>
+            </a:r>
+            <a:r>
+              <a:rPr lang="es-ES" sz="6600" dirty="0" smtClean="0">
+                <a:solidFill>
+                  <a:schemeClr val="accent1">
+                    <a:lumMod val="75000"/>
+                  </a:schemeClr>
+                </a:solidFill>
+              </a:rPr>
+              <a:t>y problemas</a:t>
+            </a:r>
+            <a:endParaRPr lang="es-ES" sz="6600" dirty="0">
+              <a:solidFill>
+                <a:schemeClr val="accent1">
+                  <a:lumMod val="75000"/>
+                </a:schemeClr>
+              </a:solidFill>
+            </a:endParaRPr>
           </a:p>
         </p:txBody>
       </p:sp>
@@ -7354,13 +8026,13 @@
             <a:spLocks noGrp="1"/>
           </p:cNvSpPr>
           <p:nvPr>
-            <p:ph idx="1"/>
-          </p:nvPr>
-        </p:nvSpPr>
-        <p:spPr>
-          <a:xfrm>
-            <a:off x="1484311" y="2311399"/>
-            <a:ext cx="10018713" cy="3124201"/>
+            <p:ph sz="half" idx="1"/>
+          </p:nvPr>
+        </p:nvSpPr>
+        <p:spPr>
+          <a:xfrm>
+            <a:off x="1231900" y="1536701"/>
+            <a:ext cx="5147467" cy="4254500"/>
           </a:xfrm>
         </p:spPr>
         <p:txBody>
@@ -7371,34 +8043,74 @@
           <a:p>
             <a:r>
               <a:rPr lang="es-ES" sz="3200" dirty="0" smtClean="0"/>
-              <a:t>Carga del sonido</a:t>
-            </a:r>
+              <a:t>Colisión entre pelotas y arpón</a:t>
+            </a:r>
+          </a:p>
+          <a:p>
+            <a:endParaRPr lang="es-ES" sz="3200" dirty="0" smtClean="0"/>
           </a:p>
           <a:p>
             <a:r>
               <a:rPr lang="es-ES" sz="3200" dirty="0" smtClean="0"/>
-              <a:t>Creación de la pantalla de título y créditos</a:t>
-            </a:r>
+              <a:t>Animaciones de victoria y derrota del jugador</a:t>
+            </a:r>
+          </a:p>
+          <a:p>
+            <a:endParaRPr lang="es-ES" sz="3200" dirty="0"/>
+          </a:p>
+        </p:txBody>
+      </p:sp>
+      <p:sp>
+        <p:nvSpPr>
+          <p:cNvPr id="4" name="Marcador de contenido 3"/>
+          <p:cNvSpPr>
+            <a:spLocks noGrp="1"/>
+          </p:cNvSpPr>
+          <p:nvPr>
+            <p:ph sz="half" idx="2"/>
+          </p:nvPr>
+        </p:nvSpPr>
+        <p:spPr>
+          <a:xfrm>
+            <a:off x="6771476" y="1181101"/>
+            <a:ext cx="5166523" cy="4254499"/>
+          </a:xfrm>
+        </p:spPr>
+        <p:txBody>
+          <a:bodyPr>
+            <a:normAutofit/>
+          </a:bodyPr>
+          <a:lstStyle/>
+          <a:p>
+            <a:pPr marL="0" indent="0">
+              <a:buNone/>
+            </a:pPr>
+            <a:endParaRPr lang="es-ES" sz="3200" dirty="0"/>
+          </a:p>
+          <a:p>
+            <a:pPr marL="0" indent="0">
+              <a:buNone/>
+            </a:pPr>
+            <a:endParaRPr lang="es-ES" sz="3200" dirty="0" smtClean="0"/>
+          </a:p>
+          <a:p>
+            <a:pPr marL="0" indent="0">
+              <a:buNone/>
+            </a:pPr>
+            <a:endParaRPr lang="es-ES" sz="3200" dirty="0" smtClean="0"/>
           </a:p>
           <a:p>
             <a:r>
               <a:rPr lang="es-ES" sz="3200" dirty="0" smtClean="0"/>
-              <a:t>Cambiar el color de las pelotas</a:t>
-            </a:r>
-          </a:p>
-          <a:p>
-            <a:r>
-              <a:rPr lang="es-ES" sz="3200" dirty="0" smtClean="0"/>
-              <a:t>Redactar memoria</a:t>
-            </a:r>
-            <a:endParaRPr lang="es-ES" sz="3200" dirty="0"/>
+              <a:t>Colisiones inapropiadas tras ganar o perder</a:t>
+            </a:r>
           </a:p>
         </p:txBody>
       </p:sp>
     </p:spTree>
     <p:extLst>
       <p:ext uri="{BB962C8B-B14F-4D97-AF65-F5344CB8AC3E}">
-        <p14:creationId xmlns:p14="http://schemas.microsoft.com/office/powerpoint/2010/main" val="3643762446"/>
+        <p14:creationId xmlns:p14="http://schemas.microsoft.com/office/powerpoint/2010/main" val="2343277955"/>
       </p:ext>
     </p:extLst>
   </p:cSld>
@@ -7589,6 +8301,222 @@
 </p:sld>
 </file>
 
+<file path=ppt/slides/slide20.xml><?xml version="1.0" encoding="utf-8"?>
+<p:sld xmlns:a="http://schemas.openxmlformats.org/drawingml/2006/main" xmlns:r="http://schemas.openxmlformats.org/officeDocument/2006/relationships" xmlns:p="http://schemas.openxmlformats.org/presentationml/2006/main">
+  <p:cSld>
+    <p:spTree>
+      <p:nvGrpSpPr>
+        <p:cNvPr id="1" name=""/>
+        <p:cNvGrpSpPr/>
+        <p:nvPr/>
+      </p:nvGrpSpPr>
+      <p:grpSpPr>
+        <a:xfrm>
+          <a:off x="0" y="0"/>
+          <a:ext cx="0" cy="0"/>
+          <a:chOff x="0" y="0"/>
+          <a:chExt cx="0" cy="0"/>
+        </a:xfrm>
+      </p:grpSpPr>
+      <p:sp>
+        <p:nvSpPr>
+          <p:cNvPr id="2" name="Título 1"/>
+          <p:cNvSpPr>
+            <a:spLocks noGrp="1"/>
+          </p:cNvSpPr>
+          <p:nvPr>
+            <p:ph type="title"/>
+          </p:nvPr>
+        </p:nvSpPr>
+        <p:spPr/>
+        <p:txBody>
+          <a:bodyPr>
+            <a:normAutofit/>
+          </a:bodyPr>
+          <a:lstStyle/>
+          <a:p>
+            <a:r>
+              <a:rPr lang="es-ES" sz="6600" dirty="0">
+                <a:solidFill>
+                  <a:schemeClr val="accent1">
+                    <a:lumMod val="75000"/>
+                  </a:schemeClr>
+                </a:solidFill>
+              </a:rPr>
+              <a:t>Trabajo restante</a:t>
+            </a:r>
+          </a:p>
+        </p:txBody>
+      </p:sp>
+      <p:sp>
+        <p:nvSpPr>
+          <p:cNvPr id="3" name="Marcador de contenido 2"/>
+          <p:cNvSpPr>
+            <a:spLocks noGrp="1"/>
+          </p:cNvSpPr>
+          <p:nvPr>
+            <p:ph idx="1"/>
+          </p:nvPr>
+        </p:nvSpPr>
+        <p:spPr>
+          <a:xfrm>
+            <a:off x="1484311" y="2311399"/>
+            <a:ext cx="10018713" cy="3124201"/>
+          </a:xfrm>
+        </p:spPr>
+        <p:txBody>
+          <a:bodyPr>
+            <a:normAutofit/>
+          </a:bodyPr>
+          <a:lstStyle/>
+          <a:p>
+            <a:r>
+              <a:rPr lang="es-ES" sz="3200" dirty="0" smtClean="0"/>
+              <a:t>Carga del sonido</a:t>
+            </a:r>
+          </a:p>
+          <a:p>
+            <a:r>
+              <a:rPr lang="es-ES" sz="3200" dirty="0" smtClean="0"/>
+              <a:t>Creación de la pantalla de título y créditos</a:t>
+            </a:r>
+          </a:p>
+          <a:p>
+            <a:r>
+              <a:rPr lang="es-ES" sz="3200" dirty="0" smtClean="0"/>
+              <a:t>Cambiar el color de las pelotas</a:t>
+            </a:r>
+            <a:endParaRPr lang="es-ES" sz="3200" dirty="0"/>
+          </a:p>
+        </p:txBody>
+      </p:sp>
+    </p:spTree>
+    <p:extLst>
+      <p:ext uri="{BB962C8B-B14F-4D97-AF65-F5344CB8AC3E}">
+        <p14:creationId xmlns:p14="http://schemas.microsoft.com/office/powerpoint/2010/main" val="3643762446"/>
+      </p:ext>
+    </p:extLst>
+  </p:cSld>
+  <p:clrMapOvr>
+    <a:masterClrMapping/>
+  </p:clrMapOvr>
+  <p:timing>
+    <p:tnLst>
+      <p:par>
+        <p:cTn id="1" dur="indefinite" restart="never" nodeType="tmRoot"/>
+      </p:par>
+    </p:tnLst>
+  </p:timing>
+</p:sld>
+</file>
+
+<file path=ppt/slides/slide21.xml><?xml version="1.0" encoding="utf-8"?>
+<p:sld xmlns:a="http://schemas.openxmlformats.org/drawingml/2006/main" xmlns:r="http://schemas.openxmlformats.org/officeDocument/2006/relationships" xmlns:p="http://schemas.openxmlformats.org/presentationml/2006/main">
+  <p:cSld>
+    <p:spTree>
+      <p:nvGrpSpPr>
+        <p:cNvPr id="1" name=""/>
+        <p:cNvGrpSpPr/>
+        <p:nvPr/>
+      </p:nvGrpSpPr>
+      <p:grpSpPr>
+        <a:xfrm>
+          <a:off x="0" y="0"/>
+          <a:ext cx="0" cy="0"/>
+          <a:chOff x="0" y="0"/>
+          <a:chExt cx="0" cy="0"/>
+        </a:xfrm>
+      </p:grpSpPr>
+      <p:sp>
+        <p:nvSpPr>
+          <p:cNvPr id="2" name="Título 1"/>
+          <p:cNvSpPr>
+            <a:spLocks noGrp="1"/>
+          </p:cNvSpPr>
+          <p:nvPr>
+            <p:ph type="title"/>
+          </p:nvPr>
+        </p:nvSpPr>
+        <p:spPr>
+          <a:xfrm>
+            <a:off x="1484310" y="101600"/>
+            <a:ext cx="10018713" cy="1752599"/>
+          </a:xfrm>
+        </p:spPr>
+        <p:txBody>
+          <a:bodyPr>
+            <a:normAutofit/>
+          </a:bodyPr>
+          <a:lstStyle/>
+          <a:p>
+            <a:r>
+              <a:rPr lang="es-ES" sz="6600" dirty="0" smtClean="0">
+                <a:solidFill>
+                  <a:schemeClr val="accent1">
+                    <a:lumMod val="75000"/>
+                  </a:schemeClr>
+                </a:solidFill>
+              </a:rPr>
+              <a:t>Demo del juego</a:t>
+            </a:r>
+            <a:endParaRPr lang="es-ES" sz="6600" dirty="0">
+              <a:solidFill>
+                <a:schemeClr val="accent1">
+                  <a:lumMod val="75000"/>
+                </a:schemeClr>
+              </a:solidFill>
+            </a:endParaRPr>
+          </a:p>
+        </p:txBody>
+      </p:sp>
+      <p:pic>
+        <p:nvPicPr>
+          <p:cNvPr id="6" name="Marcador de contenido 5">
+            <a:hlinkClick r:id="rId2"/>
+          </p:cNvPr>
+          <p:cNvPicPr>
+            <a:picLocks noGrp="1" noChangeAspect="1"/>
+          </p:cNvPicPr>
+          <p:nvPr>
+            <p:ph idx="1"/>
+          </p:nvPr>
+        </p:nvPicPr>
+        <p:blipFill>
+          <a:blip r:embed="rId3"/>
+          <a:stretch>
+            <a:fillRect/>
+          </a:stretch>
+        </p:blipFill>
+        <p:spPr>
+          <a:xfrm>
+            <a:off x="3302000" y="2006599"/>
+            <a:ext cx="6362700" cy="4102101"/>
+          </a:xfrm>
+          <a:prstGeom prst="rect">
+            <a:avLst/>
+          </a:prstGeom>
+        </p:spPr>
+      </p:pic>
+    </p:spTree>
+    <p:extLst>
+      <p:ext uri="{BB962C8B-B14F-4D97-AF65-F5344CB8AC3E}">
+        <p14:creationId xmlns:p14="http://schemas.microsoft.com/office/powerpoint/2010/main" val="3208241856"/>
+      </p:ext>
+    </p:extLst>
+  </p:cSld>
+  <p:clrMapOvr>
+    <a:masterClrMapping/>
+  </p:clrMapOvr>
+  <p:timing>
+    <p:tnLst>
+      <p:par>
+        <p:cTn id="1" dur="indefinite" restart="never" nodeType="tmRoot"/>
+      </p:par>
+    </p:tnLst>
+  </p:timing>
+</p:sld>
+</file>
+
 <file path=ppt/slides/slide3.xml><?xml version="1.0" encoding="utf-8"?>
 <p:sld xmlns:a="http://schemas.openxmlformats.org/drawingml/2006/main" xmlns:r="http://schemas.openxmlformats.org/officeDocument/2006/relationships" xmlns:p="http://schemas.openxmlformats.org/presentationml/2006/main">
   <p:cSld>
@@ -7618,27 +8546,27 @@
         </p:nvSpPr>
         <p:spPr>
           <a:xfrm>
-            <a:off x="2590800" y="292100"/>
+            <a:off x="1484310" y="2374900"/>
             <a:ext cx="10018713" cy="1752599"/>
           </a:xfrm>
         </p:spPr>
         <p:txBody>
           <a:bodyPr>
-            <a:normAutofit/>
+            <a:noAutofit/>
           </a:bodyPr>
           <a:lstStyle/>
           <a:p>
             <a:r>
-              <a:rPr lang="es-ES" sz="6600" dirty="0" smtClean="0">
+              <a:rPr lang="es-ES" sz="11500" dirty="0" smtClean="0">
                 <a:solidFill>
                   <a:schemeClr val="accent1">
                     <a:lumMod val="75000"/>
                   </a:schemeClr>
                 </a:solidFill>
               </a:rPr>
-              <a:t>Disparar arpón</a:t>
-            </a:r>
-            <a:endParaRPr lang="es-ES" sz="6600" dirty="0">
+              <a:t>Mecánicas</a:t>
+            </a:r>
+            <a:endParaRPr lang="es-ES" sz="11500" dirty="0">
               <a:solidFill>
                 <a:schemeClr val="accent1">
                   <a:lumMod val="75000"/>
@@ -7658,89 +8586,19 @@
             <p:ph idx="1"/>
           </p:nvPr>
         </p:nvSpPr>
-        <p:spPr>
-          <a:xfrm>
-            <a:off x="4311649" y="2552699"/>
-            <a:ext cx="6577013" cy="3124201"/>
-          </a:xfrm>
-        </p:spPr>
-        <p:txBody>
-          <a:bodyPr>
-            <a:noAutofit/>
-          </a:bodyPr>
-          <a:lstStyle/>
-          <a:p>
-            <a:r>
-              <a:rPr lang="es-ES" sz="3200" dirty="0" smtClean="0"/>
-              <a:t>El jugador podrá disparar un arpón pulsando espacio</a:t>
-            </a:r>
-          </a:p>
-          <a:p>
-            <a:r>
-              <a:rPr lang="es-ES" sz="3200" dirty="0" smtClean="0"/>
-              <a:t>El arpón saldrá desde el arma del jugador e irá subiendo hasta tocar el techo</a:t>
-            </a:r>
-          </a:p>
-          <a:p>
-            <a:r>
-              <a:rPr lang="es-ES" sz="3200" dirty="0" smtClean="0"/>
-              <a:t>Podrá haber un máximo de tres arpones por pantalla</a:t>
-            </a:r>
-          </a:p>
-        </p:txBody>
-      </p:sp>
-      <p:pic>
-        <p:nvPicPr>
-          <p:cNvPr id="4" name="Imagen 3"/>
-          <p:cNvPicPr>
-            <a:picLocks noChangeAspect="1"/>
-          </p:cNvPicPr>
-          <p:nvPr/>
-        </p:nvPicPr>
-        <p:blipFill>
-          <a:blip r:embed="rId2"/>
-          <a:stretch>
-            <a:fillRect/>
-          </a:stretch>
-        </p:blipFill>
-        <p:spPr>
-          <a:xfrm>
-            <a:off x="266700" y="292100"/>
-            <a:ext cx="1549400" cy="6210300"/>
-          </a:xfrm>
-          <a:prstGeom prst="rect">
-            <a:avLst/>
-          </a:prstGeom>
-        </p:spPr>
-      </p:pic>
-      <p:pic>
-        <p:nvPicPr>
-          <p:cNvPr id="5" name="Imagen 4"/>
-          <p:cNvPicPr>
-            <a:picLocks noChangeAspect="1"/>
-          </p:cNvPicPr>
-          <p:nvPr/>
-        </p:nvPicPr>
-        <p:blipFill>
-          <a:blip r:embed="rId2"/>
-          <a:stretch>
-            <a:fillRect/>
-          </a:stretch>
-        </p:blipFill>
-        <p:spPr>
-          <a:xfrm>
-            <a:off x="2044700" y="292100"/>
-            <a:ext cx="1549400" cy="6210300"/>
-          </a:xfrm>
-          <a:prstGeom prst="rect">
-            <a:avLst/>
-          </a:prstGeom>
-        </p:spPr>
-      </p:pic>
+        <p:spPr/>
+        <p:txBody>
+          <a:bodyPr/>
+          <a:lstStyle/>
+          <a:p>
+            <a:endParaRPr lang="es-ES" dirty="0"/>
+          </a:p>
+        </p:txBody>
+      </p:sp>
     </p:spTree>
     <p:extLst>
       <p:ext uri="{BB962C8B-B14F-4D97-AF65-F5344CB8AC3E}">
-        <p14:creationId xmlns:p14="http://schemas.microsoft.com/office/powerpoint/2010/main" val="1102914636"/>
+        <p14:creationId xmlns:p14="http://schemas.microsoft.com/office/powerpoint/2010/main" val="485259216"/>
       </p:ext>
     </p:extLst>
   </p:cSld>
@@ -7786,13 +8644,13 @@
         </p:nvSpPr>
         <p:spPr>
           <a:xfrm>
-            <a:off x="5849142" y="676275"/>
-            <a:ext cx="5978524" cy="1752599"/>
+            <a:off x="2590800" y="292100"/>
+            <a:ext cx="10018713" cy="1752599"/>
           </a:xfrm>
         </p:spPr>
         <p:txBody>
           <a:bodyPr>
-            <a:normAutofit fontScale="90000"/>
+            <a:normAutofit/>
           </a:bodyPr>
           <a:lstStyle/>
           <a:p>
@@ -7804,7 +8662,7 @@
                   </a:schemeClr>
                 </a:solidFill>
               </a:rPr>
-              <a:t>División de las pelotas</a:t>
+              <a:t>Disparar arpón</a:t>
             </a:r>
             <a:endParaRPr lang="es-ES" sz="6600" dirty="0">
               <a:solidFill>
@@ -7828,8 +8686,8 @@
         </p:nvSpPr>
         <p:spPr>
           <a:xfrm>
-            <a:off x="6481759" y="2882899"/>
-            <a:ext cx="4713290" cy="3124201"/>
+            <a:off x="4311649" y="2552699"/>
+            <a:ext cx="6577013" cy="3124201"/>
           </a:xfrm>
         </p:spPr>
         <p:txBody>
@@ -7840,15 +8698,20 @@
           <a:p>
             <a:r>
               <a:rPr lang="es-ES" sz="3200" dirty="0" smtClean="0"/>
-              <a:t>Al impactar un arpón con una de las pelotas, esta se dividirá en dos pelotas más pequeñas.</a:t>
+              <a:t>El jugador podrá disparar un arpón pulsando espacio</a:t>
             </a:r>
           </a:p>
           <a:p>
             <a:r>
               <a:rPr lang="es-ES" sz="3200" dirty="0" smtClean="0"/>
-              <a:t>Al impactar el arpón con la pelota más pequeña la eliminará</a:t>
-            </a:r>
-            <a:endParaRPr lang="es-ES" sz="3200" dirty="0"/>
+              <a:t>El arpón saldrá desde el arma del jugador e irá subiendo hasta tocar el techo</a:t>
+            </a:r>
+          </a:p>
+          <a:p>
+            <a:r>
+              <a:rPr lang="es-ES" sz="3200" dirty="0" smtClean="0"/>
+              <a:t>Podrá haber un máximo de tres arpones por pantalla</a:t>
+            </a:r>
           </a:p>
         </p:txBody>
       </p:sp>
@@ -7868,8 +8731,8 @@
         </p:blipFill>
         <p:spPr>
           <a:xfrm>
-            <a:off x="376236" y="685800"/>
-            <a:ext cx="2105025" cy="5543550"/>
+            <a:off x="266700" y="292100"/>
+            <a:ext cx="1549400" cy="6210300"/>
           </a:xfrm>
           <a:prstGeom prst="rect">
             <a:avLst/>
@@ -7885,45 +8748,15 @@
           <p:nvPr/>
         </p:nvPicPr>
         <p:blipFill>
-          <a:blip r:embed="rId3"/>
+          <a:blip r:embed="rId2"/>
           <a:stretch>
             <a:fillRect/>
           </a:stretch>
         </p:blipFill>
         <p:spPr>
           <a:xfrm>
-            <a:off x="3533775" y="676275"/>
-            <a:ext cx="2381250" cy="5553075"/>
-          </a:xfrm>
-          <a:prstGeom prst="rect">
-            <a:avLst/>
-          </a:prstGeom>
-        </p:spPr>
-      </p:pic>
-      <p:pic>
-        <p:nvPicPr>
-          <p:cNvPr id="10" name="Imagen 9"/>
-          <p:cNvPicPr>
-            <a:picLocks noChangeAspect="1"/>
-          </p:cNvPicPr>
-          <p:nvPr/>
-        </p:nvPicPr>
-        <p:blipFill>
-          <a:blip r:embed="rId4" cstate="print">
-            <a:extLst>
-              <a:ext uri="{28A0092B-C50C-407E-A947-70E740481C1C}">
-                <a14:useLocalDpi xmlns:a14="http://schemas.microsoft.com/office/drawing/2010/main" val="0"/>
-              </a:ext>
-            </a:extLst>
-          </a:blip>
-          <a:stretch>
-            <a:fillRect/>
-          </a:stretch>
-        </p:blipFill>
-        <p:spPr>
-          <a:xfrm>
-            <a:off x="1902618" y="2487611"/>
-            <a:ext cx="2209801" cy="2209801"/>
+            <a:off x="2044700" y="292100"/>
+            <a:ext cx="1549400" cy="6210300"/>
           </a:xfrm>
           <a:prstGeom prst="rect">
             <a:avLst/>
@@ -7933,7 +8766,7 @@
     </p:spTree>
     <p:extLst>
       <p:ext uri="{BB962C8B-B14F-4D97-AF65-F5344CB8AC3E}">
-        <p14:creationId xmlns:p14="http://schemas.microsoft.com/office/powerpoint/2010/main" val="1422063762"/>
+        <p14:creationId xmlns:p14="http://schemas.microsoft.com/office/powerpoint/2010/main" val="1102914636"/>
       </p:ext>
     </p:extLst>
   </p:cSld>
@@ -7979,13 +8812,13 @@
         </p:nvSpPr>
         <p:spPr>
           <a:xfrm>
-            <a:off x="989011" y="571500"/>
-            <a:ext cx="10018713" cy="1752599"/>
+            <a:off x="5849142" y="676275"/>
+            <a:ext cx="5978524" cy="1752599"/>
           </a:xfrm>
         </p:spPr>
         <p:txBody>
           <a:bodyPr>
-            <a:normAutofit/>
+            <a:normAutofit fontScale="90000"/>
           </a:bodyPr>
           <a:lstStyle/>
           <a:p>
@@ -7997,7 +8830,7 @@
                   </a:schemeClr>
                 </a:solidFill>
               </a:rPr>
-              <a:t>Muerte del jugador</a:t>
+              <a:t>División de las pelotas</a:t>
             </a:r>
             <a:endParaRPr lang="es-ES" sz="6600" dirty="0">
               <a:solidFill>
@@ -8021,25 +8854,25 @@
         </p:nvSpPr>
         <p:spPr>
           <a:xfrm>
-            <a:off x="4437855" y="2641599"/>
-            <a:ext cx="6854823" cy="3124201"/>
+            <a:off x="6481759" y="2882899"/>
+            <a:ext cx="4713290" cy="3124201"/>
           </a:xfrm>
         </p:spPr>
         <p:txBody>
           <a:bodyPr>
-            <a:normAutofit/>
+            <a:noAutofit/>
           </a:bodyPr>
           <a:lstStyle/>
           <a:p>
             <a:r>
               <a:rPr lang="es-ES" sz="3200" dirty="0" smtClean="0"/>
-              <a:t>Si una pelota toca al jugador este pierde la partida</a:t>
+              <a:t>Al impactar un arpón con una de las pelotas, esta se dividirá en dos pelotas más pequeñas.</a:t>
             </a:r>
           </a:p>
           <a:p>
             <a:r>
               <a:rPr lang="es-ES" sz="3200" dirty="0" smtClean="0"/>
-              <a:t>El jugador solo dispone de una vida</a:t>
+              <a:t>Al impactar el arpón con la pelota más pequeña la eliminará</a:t>
             </a:r>
             <a:endParaRPr lang="es-ES" sz="3200" dirty="0"/>
           </a:p>
@@ -8061,8 +8894,62 @@
         </p:blipFill>
         <p:spPr>
           <a:xfrm>
-            <a:off x="758824" y="2848498"/>
-            <a:ext cx="2886075" cy="2710401"/>
+            <a:off x="376236" y="685800"/>
+            <a:ext cx="2105025" cy="5543550"/>
+          </a:xfrm>
+          <a:prstGeom prst="rect">
+            <a:avLst/>
+          </a:prstGeom>
+        </p:spPr>
+      </p:pic>
+      <p:pic>
+        <p:nvPicPr>
+          <p:cNvPr id="5" name="Imagen 4"/>
+          <p:cNvPicPr>
+            <a:picLocks noChangeAspect="1"/>
+          </p:cNvPicPr>
+          <p:nvPr/>
+        </p:nvPicPr>
+        <p:blipFill>
+          <a:blip r:embed="rId3"/>
+          <a:stretch>
+            <a:fillRect/>
+          </a:stretch>
+        </p:blipFill>
+        <p:spPr>
+          <a:xfrm>
+            <a:off x="3533775" y="676275"/>
+            <a:ext cx="2381250" cy="5553075"/>
+          </a:xfrm>
+          <a:prstGeom prst="rect">
+            <a:avLst/>
+          </a:prstGeom>
+        </p:spPr>
+      </p:pic>
+      <p:pic>
+        <p:nvPicPr>
+          <p:cNvPr id="10" name="Imagen 9"/>
+          <p:cNvPicPr>
+            <a:picLocks noChangeAspect="1"/>
+          </p:cNvPicPr>
+          <p:nvPr/>
+        </p:nvPicPr>
+        <p:blipFill>
+          <a:blip r:embed="rId4" cstate="print">
+            <a:extLst>
+              <a:ext uri="{28A0092B-C50C-407E-A947-70E740481C1C}">
+                <a14:useLocalDpi xmlns:a14="http://schemas.microsoft.com/office/drawing/2010/main" val="0"/>
+              </a:ext>
+            </a:extLst>
+          </a:blip>
+          <a:stretch>
+            <a:fillRect/>
+          </a:stretch>
+        </p:blipFill>
+        <p:spPr>
+          <a:xfrm>
+            <a:off x="1902618" y="2487611"/>
+            <a:ext cx="2209801" cy="2209801"/>
           </a:xfrm>
           <a:prstGeom prst="rect">
             <a:avLst/>
@@ -8072,7 +8959,7 @@
     </p:spTree>
     <p:extLst>
       <p:ext uri="{BB962C8B-B14F-4D97-AF65-F5344CB8AC3E}">
-        <p14:creationId xmlns:p14="http://schemas.microsoft.com/office/powerpoint/2010/main" val="4077480577"/>
+        <p14:creationId xmlns:p14="http://schemas.microsoft.com/office/powerpoint/2010/main" val="1422063762"/>
       </p:ext>
     </p:extLst>
   </p:cSld>
@@ -8118,7 +9005,7 @@
         </p:nvSpPr>
         <p:spPr>
           <a:xfrm>
-            <a:off x="1484311" y="246064"/>
+            <a:off x="989011" y="571500"/>
             <a:ext cx="10018713" cy="1752599"/>
           </a:xfrm>
         </p:spPr>
@@ -8136,7 +9023,7 @@
                   </a:schemeClr>
                 </a:solidFill>
               </a:rPr>
-              <a:t>Diferencias Juego original</a:t>
+              <a:t>Muerte del jugador</a:t>
             </a:r>
             <a:endParaRPr lang="es-ES" sz="6600" dirty="0">
               <a:solidFill>
@@ -8150,174 +9037,68 @@
       </p:sp>
       <p:sp>
         <p:nvSpPr>
-          <p:cNvPr id="3" name="Marcador de texto 2"/>
-          <p:cNvSpPr>
-            <a:spLocks noGrp="1"/>
-          </p:cNvSpPr>
-          <p:nvPr>
-            <p:ph type="body" idx="1"/>
-          </p:nvPr>
-        </p:nvSpPr>
-        <p:spPr>
-          <a:xfrm>
-            <a:off x="1772179" y="1789907"/>
-            <a:ext cx="4607188" cy="576262"/>
-          </a:xfrm>
-        </p:spPr>
-        <p:txBody>
-          <a:bodyPr/>
-          <a:lstStyle/>
-          <a:p>
-            <a:pPr algn="ctr"/>
-            <a:r>
-              <a:rPr lang="es-ES" sz="3600" dirty="0" smtClean="0"/>
-              <a:t>Original</a:t>
-            </a:r>
-            <a:endParaRPr lang="es-ES" sz="3600" dirty="0"/>
-          </a:p>
-        </p:txBody>
-      </p:sp>
-      <p:sp>
-        <p:nvSpPr>
-          <p:cNvPr id="4" name="Marcador de contenido 3"/>
-          <p:cNvSpPr>
-            <a:spLocks noGrp="1"/>
-          </p:cNvSpPr>
-          <p:nvPr>
-            <p:ph sz="half" idx="2"/>
-          </p:nvPr>
-        </p:nvSpPr>
-        <p:spPr>
-          <a:xfrm>
-            <a:off x="1598611" y="2459037"/>
-            <a:ext cx="4895056" cy="2455862"/>
+          <p:cNvPr id="3" name="Marcador de contenido 2"/>
+          <p:cNvSpPr>
+            <a:spLocks noGrp="1"/>
+          </p:cNvSpPr>
+          <p:nvPr>
+            <p:ph idx="1"/>
+          </p:nvPr>
+        </p:nvSpPr>
+        <p:spPr>
+          <a:xfrm>
+            <a:off x="4437855" y="2641599"/>
+            <a:ext cx="6854823" cy="3124201"/>
           </a:xfrm>
         </p:spPr>
         <p:txBody>
           <a:bodyPr>
-            <a:noAutofit/>
+            <a:normAutofit/>
           </a:bodyPr>
           <a:lstStyle/>
           <a:p>
             <a:r>
-              <a:rPr lang="es-ES" sz="2800" dirty="0" smtClean="0"/>
-              <a:t>Arpones máximos 2</a:t>
-            </a:r>
-          </a:p>
-          <a:p>
-            <a:r>
-              <a:rPr lang="es-ES" sz="2800" dirty="0" smtClean="0"/>
-              <a:t>Eliminar todas las pelotas para ganar</a:t>
-            </a:r>
-          </a:p>
-          <a:p>
-            <a:r>
-              <a:rPr lang="es-ES" sz="2800" dirty="0" smtClean="0"/>
-              <a:t>Altura pantalla pequeña</a:t>
-            </a:r>
-          </a:p>
-          <a:p>
-            <a:r>
-              <a:rPr lang="es-ES" sz="2800" dirty="0" smtClean="0"/>
-              <a:t>Generador concreto para cada nivel</a:t>
-            </a:r>
-          </a:p>
-          <a:p>
-            <a:r>
-              <a:rPr lang="es-ES" sz="2800" dirty="0" smtClean="0"/>
-              <a:t>Con vidas</a:t>
-            </a:r>
-            <a:endParaRPr lang="es-ES" sz="2800" dirty="0"/>
-          </a:p>
-        </p:txBody>
-      </p:sp>
-      <p:sp>
-        <p:nvSpPr>
-          <p:cNvPr id="5" name="Marcador de texto 4"/>
-          <p:cNvSpPr>
-            <a:spLocks noGrp="1"/>
-          </p:cNvSpPr>
-          <p:nvPr>
-            <p:ph type="body" sz="quarter" idx="3"/>
-          </p:nvPr>
-        </p:nvSpPr>
-        <p:spPr>
-          <a:xfrm>
-            <a:off x="6744226" y="1789907"/>
-            <a:ext cx="4622537" cy="576262"/>
-          </a:xfrm>
-        </p:spPr>
-        <p:txBody>
-          <a:bodyPr/>
-          <a:lstStyle/>
-          <a:p>
-            <a:pPr algn="ctr"/>
-            <a:r>
-              <a:rPr lang="es-ES" sz="3600" dirty="0" smtClean="0"/>
-              <a:t>Versión propia</a:t>
-            </a:r>
-            <a:endParaRPr lang="es-ES" sz="3600" dirty="0"/>
-          </a:p>
-        </p:txBody>
-      </p:sp>
-      <p:sp>
-        <p:nvSpPr>
-          <p:cNvPr id="6" name="Marcador de contenido 5"/>
-          <p:cNvSpPr>
-            <a:spLocks noGrp="1"/>
-          </p:cNvSpPr>
-          <p:nvPr>
-            <p:ph sz="quarter" idx="4"/>
-          </p:nvPr>
-        </p:nvSpPr>
-        <p:spPr>
-          <a:xfrm>
-            <a:off x="6493667" y="2459037"/>
-            <a:ext cx="4895056" cy="2455862"/>
-          </a:xfrm>
-        </p:spPr>
-        <p:txBody>
-          <a:bodyPr>
-            <a:noAutofit/>
-          </a:bodyPr>
-          <a:lstStyle/>
-          <a:p>
-            <a:r>
-              <a:rPr lang="es-ES" sz="2800" dirty="0" smtClean="0"/>
-              <a:t>Arpones máximos 3</a:t>
-            </a:r>
-          </a:p>
-          <a:p>
-            <a:r>
-              <a:rPr lang="es-ES" sz="2800" dirty="0" smtClean="0"/>
-              <a:t>Eliminar pelota dorada para ganar</a:t>
-            </a:r>
-          </a:p>
-          <a:p>
-            <a:r>
-              <a:rPr lang="es-ES" sz="2800" dirty="0" smtClean="0"/>
-              <a:t>Altura pantalla grande</a:t>
-            </a:r>
-          </a:p>
-          <a:p>
-            <a:r>
-              <a:rPr lang="es-ES" sz="2800" dirty="0" smtClean="0"/>
-              <a:t>Generador automático de pelotas por nivel</a:t>
-            </a:r>
-          </a:p>
-          <a:p>
-            <a:r>
-              <a:rPr lang="es-ES" sz="2800" dirty="0" smtClean="0"/>
-              <a:t>Sin vidas</a:t>
-            </a:r>
-            <a:endParaRPr lang="es-ES" sz="2800" dirty="0"/>
-          </a:p>
-        </p:txBody>
-      </p:sp>
+              <a:rPr lang="es-ES" sz="3200" dirty="0" smtClean="0"/>
+              <a:t>Si una pelota toca al jugador este pierde la partida</a:t>
+            </a:r>
+          </a:p>
+          <a:p>
+            <a:r>
+              <a:rPr lang="es-ES" sz="3200" dirty="0" smtClean="0"/>
+              <a:t>El jugador solo dispone de una vida</a:t>
+            </a:r>
+            <a:endParaRPr lang="es-ES" sz="3200" dirty="0"/>
+          </a:p>
+        </p:txBody>
+      </p:sp>
+      <p:pic>
+        <p:nvPicPr>
+          <p:cNvPr id="4" name="Imagen 3"/>
+          <p:cNvPicPr>
+            <a:picLocks noChangeAspect="1"/>
+          </p:cNvPicPr>
+          <p:nvPr/>
+        </p:nvPicPr>
+        <p:blipFill>
+          <a:blip r:embed="rId2"/>
+          <a:stretch>
+            <a:fillRect/>
+          </a:stretch>
+        </p:blipFill>
+        <p:spPr>
+          <a:xfrm>
+            <a:off x="758824" y="2848498"/>
+            <a:ext cx="2886075" cy="2710401"/>
+          </a:xfrm>
+          <a:prstGeom prst="rect">
+            <a:avLst/>
+          </a:prstGeom>
+        </p:spPr>
+      </p:pic>
     </p:spTree>
     <p:extLst>
       <p:ext uri="{BB962C8B-B14F-4D97-AF65-F5344CB8AC3E}">
-        <p14:creationId xmlns:p14="http://schemas.microsoft.com/office/powerpoint/2010/main" val="3997695814"/>
+        <p14:creationId xmlns:p14="http://schemas.microsoft.com/office/powerpoint/2010/main" val="4077480577"/>
       </p:ext>
     </p:extLst>
   </p:cSld>
@@ -8363,8 +9144,8 @@
         </p:nvSpPr>
         <p:spPr>
           <a:xfrm>
-            <a:off x="1484312" y="685800"/>
-            <a:ext cx="10207624" cy="1752599"/>
+            <a:off x="1382711" y="2514600"/>
+            <a:ext cx="10018713" cy="1752599"/>
           </a:xfrm>
         </p:spPr>
         <p:txBody>
@@ -8374,16 +9155,22 @@
           <a:lstStyle/>
           <a:p>
             <a:r>
-              <a:rPr lang="es-ES" sz="6600" dirty="0">
+              <a:rPr lang="es-ES" sz="6600" dirty="0" smtClean="0">
                 <a:solidFill>
                   <a:schemeClr val="accent1">
                     <a:lumMod val="75000"/>
                   </a:schemeClr>
                 </a:solidFill>
               </a:rPr>
-              <a:t>Arquitectura y componentes</a:t>
-            </a:r>
-            <a:endParaRPr lang="es-ES" sz="6600" dirty="0"/>
+              <a:t>Diferencias con Juego Original</a:t>
+            </a:r>
+            <a:endParaRPr lang="es-ES" sz="6600" dirty="0">
+              <a:solidFill>
+                <a:schemeClr val="accent1">
+                  <a:lumMod val="75000"/>
+                </a:schemeClr>
+              </a:solidFill>
+            </a:endParaRPr>
           </a:p>
         </p:txBody>
       </p:sp>
@@ -8394,93 +9181,18 @@
             <a:spLocks noGrp="1"/>
           </p:cNvSpPr>
           <p:nvPr>
-            <p:ph sz="half" idx="1"/>
-          </p:nvPr>
-        </p:nvSpPr>
-        <p:spPr>
-          <a:xfrm>
-            <a:off x="2061369" y="2666999"/>
-            <a:ext cx="4895055" cy="3124201"/>
+            <p:ph idx="1"/>
+          </p:nvPr>
+        </p:nvSpPr>
+        <p:spPr>
+          <a:xfrm>
+            <a:off x="1941510" y="5295899"/>
+            <a:ext cx="10018713" cy="3124201"/>
           </a:xfrm>
         </p:spPr>
         <p:txBody>
           <a:bodyPr/>
           <a:lstStyle/>
-          <a:p>
-            <a:r>
-              <a:rPr lang="es-ES" sz="3200" dirty="0"/>
-              <a:t>Clase </a:t>
-            </a:r>
-            <a:r>
-              <a:rPr lang="es-ES" sz="3200" dirty="0" err="1"/>
-              <a:t>Background</a:t>
-            </a:r>
-            <a:endParaRPr lang="es-ES" sz="3200" dirty="0"/>
-          </a:p>
-          <a:p>
-            <a:r>
-              <a:rPr lang="es-ES" sz="3200" dirty="0"/>
-              <a:t>Clases </a:t>
-            </a:r>
-            <a:r>
-              <a:rPr lang="es-ES" sz="3200" dirty="0" err="1" smtClean="0"/>
-              <a:t>Edges</a:t>
-            </a:r>
-            <a:endParaRPr lang="es-ES" sz="3200" dirty="0" smtClean="0"/>
-          </a:p>
-          <a:p>
-            <a:r>
-              <a:rPr lang="es-ES" sz="3200" dirty="0"/>
-              <a:t>Clases Bolas</a:t>
-            </a:r>
-          </a:p>
-          <a:p>
-            <a:endParaRPr lang="es-ES" dirty="0"/>
-          </a:p>
-          <a:p>
-            <a:endParaRPr lang="es-ES" dirty="0"/>
-          </a:p>
-        </p:txBody>
-      </p:sp>
-      <p:sp>
-        <p:nvSpPr>
-          <p:cNvPr id="4" name="Marcador de contenido 3"/>
-          <p:cNvSpPr>
-            <a:spLocks noGrp="1"/>
-          </p:cNvSpPr>
-          <p:nvPr>
-            <p:ph sz="half" idx="2"/>
-          </p:nvPr>
-        </p:nvSpPr>
-        <p:spPr>
-          <a:xfrm>
-            <a:off x="6588124" y="2336798"/>
-            <a:ext cx="4895056" cy="3124200"/>
-          </a:xfrm>
-        </p:spPr>
-        <p:txBody>
-          <a:bodyPr/>
-          <a:lstStyle/>
-          <a:p>
-            <a:r>
-              <a:rPr lang="es-ES" sz="3200" dirty="0"/>
-              <a:t>Clase </a:t>
-            </a:r>
-            <a:r>
-              <a:rPr lang="es-ES" sz="3200" dirty="0" err="1"/>
-              <a:t>Harpoon</a:t>
-            </a:r>
-            <a:endParaRPr lang="es-ES" sz="3200" dirty="0"/>
-          </a:p>
-          <a:p>
-            <a:r>
-              <a:rPr lang="es-ES" sz="3200" dirty="0"/>
-              <a:t>Clase Player</a:t>
-            </a:r>
-          </a:p>
-          <a:p>
-            <a:endParaRPr lang="es-ES" dirty="0"/>
-          </a:p>
           <a:p>
             <a:endParaRPr lang="es-ES" dirty="0"/>
           </a:p>
@@ -8489,7 +9201,7 @@
     </p:spTree>
     <p:extLst>
       <p:ext uri="{BB962C8B-B14F-4D97-AF65-F5344CB8AC3E}">
-        <p14:creationId xmlns:p14="http://schemas.microsoft.com/office/powerpoint/2010/main" val="2083408334"/>
+        <p14:creationId xmlns:p14="http://schemas.microsoft.com/office/powerpoint/2010/main" val="1422942539"/>
       </p:ext>
     </p:extLst>
   </p:cSld>
@@ -8533,65 +9245,198 @@
             <p:ph type="title"/>
           </p:nvPr>
         </p:nvSpPr>
-        <p:spPr/>
+        <p:spPr>
+          <a:xfrm>
+            <a:off x="1484311" y="246064"/>
+            <a:ext cx="10018713" cy="1752599"/>
+          </a:xfrm>
+        </p:spPr>
+        <p:txBody>
+          <a:bodyPr>
+            <a:normAutofit/>
+          </a:bodyPr>
+          <a:lstStyle/>
+          <a:p>
+            <a:endParaRPr lang="es-ES" sz="6600" dirty="0">
+              <a:solidFill>
+                <a:schemeClr val="accent1">
+                  <a:lumMod val="75000"/>
+                </a:schemeClr>
+              </a:solidFill>
+            </a:endParaRPr>
+          </a:p>
+        </p:txBody>
+      </p:sp>
+      <p:sp>
+        <p:nvSpPr>
+          <p:cNvPr id="3" name="Marcador de texto 2"/>
+          <p:cNvSpPr>
+            <a:spLocks noGrp="1"/>
+          </p:cNvSpPr>
+          <p:nvPr>
+            <p:ph type="body" idx="1"/>
+          </p:nvPr>
+        </p:nvSpPr>
+        <p:spPr>
+          <a:xfrm>
+            <a:off x="1378479" y="834232"/>
+            <a:ext cx="4607188" cy="576262"/>
+          </a:xfrm>
+        </p:spPr>
         <p:txBody>
           <a:bodyPr/>
           <a:lstStyle/>
           <a:p>
-            <a:r>
-              <a:rPr lang="es-ES" dirty="0" smtClean="0"/>
-              <a:t>Clase </a:t>
-            </a:r>
-            <a:r>
-              <a:rPr lang="es-ES" dirty="0" err="1" smtClean="0"/>
-              <a:t>Background</a:t>
-            </a:r>
-            <a:endParaRPr lang="es-ES" dirty="0"/>
-          </a:p>
-        </p:txBody>
-      </p:sp>
-      <p:sp>
-        <p:nvSpPr>
-          <p:cNvPr id="3" name="Marcador de contenido 2"/>
-          <p:cNvSpPr>
-            <a:spLocks noGrp="1"/>
-          </p:cNvSpPr>
-          <p:nvPr>
-            <p:ph sz="half" idx="1"/>
-          </p:nvPr>
-        </p:nvSpPr>
-        <p:spPr/>
+            <a:pPr algn="ctr"/>
+            <a:r>
+              <a:rPr lang="es-ES" sz="3600" dirty="0" smtClean="0"/>
+              <a:t>Original</a:t>
+            </a:r>
+            <a:endParaRPr lang="es-ES" sz="3600" dirty="0"/>
+          </a:p>
+        </p:txBody>
+      </p:sp>
+      <p:sp>
+        <p:nvSpPr>
+          <p:cNvPr id="4" name="Marcador de contenido 3"/>
+          <p:cNvSpPr>
+            <a:spLocks noGrp="1"/>
+          </p:cNvSpPr>
+          <p:nvPr>
+            <p:ph sz="half" idx="2"/>
+          </p:nvPr>
+        </p:nvSpPr>
+        <p:spPr>
+          <a:xfrm>
+            <a:off x="1598611" y="2006599"/>
+            <a:ext cx="4895056" cy="2455862"/>
+          </a:xfrm>
+        </p:spPr>
+        <p:txBody>
+          <a:bodyPr>
+            <a:noAutofit/>
+          </a:bodyPr>
+          <a:lstStyle/>
+          <a:p>
+            <a:r>
+              <a:rPr lang="es-ES" sz="2800" dirty="0" smtClean="0"/>
+              <a:t>Arpones máximos 2</a:t>
+            </a:r>
+          </a:p>
+          <a:p>
+            <a:r>
+              <a:rPr lang="es-ES" sz="2800" dirty="0" smtClean="0"/>
+              <a:t>Eliminar todas las pelotas para ganar</a:t>
+            </a:r>
+          </a:p>
+          <a:p>
+            <a:r>
+              <a:rPr lang="es-ES" sz="2800" dirty="0" smtClean="0"/>
+              <a:t>Altura pantalla pequeña</a:t>
+            </a:r>
+          </a:p>
+          <a:p>
+            <a:r>
+              <a:rPr lang="es-ES" sz="2800" dirty="0" smtClean="0"/>
+              <a:t>Generador concreto para cada nivel</a:t>
+            </a:r>
+          </a:p>
+          <a:p>
+            <a:r>
+              <a:rPr lang="es-ES" sz="2800" dirty="0" smtClean="0"/>
+              <a:t>Con vidas</a:t>
+            </a:r>
+            <a:endParaRPr lang="es-ES" sz="2800" dirty="0"/>
+          </a:p>
+        </p:txBody>
+      </p:sp>
+      <p:sp>
+        <p:nvSpPr>
+          <p:cNvPr id="5" name="Marcador de texto 4"/>
+          <p:cNvSpPr>
+            <a:spLocks noGrp="1"/>
+          </p:cNvSpPr>
+          <p:nvPr>
+            <p:ph type="body" sz="quarter" idx="3"/>
+          </p:nvPr>
+        </p:nvSpPr>
+        <p:spPr>
+          <a:xfrm>
+            <a:off x="6433077" y="925514"/>
+            <a:ext cx="4622537" cy="576262"/>
+          </a:xfrm>
+        </p:spPr>
         <p:txBody>
           <a:bodyPr/>
           <a:lstStyle/>
           <a:p>
-            <a:endParaRPr lang="es-ES"/>
-          </a:p>
-        </p:txBody>
-      </p:sp>
-      <p:sp>
-        <p:nvSpPr>
-          <p:cNvPr id="4" name="Marcador de contenido 3"/>
-          <p:cNvSpPr>
-            <a:spLocks noGrp="1"/>
-          </p:cNvSpPr>
-          <p:nvPr>
-            <p:ph sz="half" idx="2"/>
-          </p:nvPr>
-        </p:nvSpPr>
-        <p:spPr/>
-        <p:txBody>
-          <a:bodyPr/>
-          <a:lstStyle/>
-          <a:p>
-            <a:endParaRPr lang="es-ES"/>
+            <a:pPr algn="ctr"/>
+            <a:r>
+              <a:rPr lang="es-ES" sz="3600" dirty="0" smtClean="0"/>
+              <a:t>Versión propia</a:t>
+            </a:r>
+            <a:endParaRPr lang="es-ES" sz="3600" dirty="0"/>
+          </a:p>
+        </p:txBody>
+      </p:sp>
+      <p:sp>
+        <p:nvSpPr>
+          <p:cNvPr id="6" name="Marcador de contenido 5"/>
+          <p:cNvSpPr>
+            <a:spLocks noGrp="1"/>
+          </p:cNvSpPr>
+          <p:nvPr>
+            <p:ph sz="quarter" idx="4"/>
+          </p:nvPr>
+        </p:nvSpPr>
+        <p:spPr>
+          <a:xfrm>
+            <a:off x="6760368" y="2006599"/>
+            <a:ext cx="4895056" cy="2455862"/>
+          </a:xfrm>
+        </p:spPr>
+        <p:txBody>
+          <a:bodyPr>
+            <a:noAutofit/>
+          </a:bodyPr>
+          <a:lstStyle/>
+          <a:p>
+            <a:r>
+              <a:rPr lang="es-ES" sz="2800" dirty="0" smtClean="0"/>
+              <a:t>Arpones máximos 3</a:t>
+            </a:r>
+          </a:p>
+          <a:p>
+            <a:r>
+              <a:rPr lang="es-ES" sz="2800" dirty="0" smtClean="0"/>
+              <a:t>Eliminar pelota dorada para ganar</a:t>
+            </a:r>
+          </a:p>
+          <a:p>
+            <a:r>
+              <a:rPr lang="es-ES" sz="2800" dirty="0" smtClean="0"/>
+              <a:t>Altura pantalla grande</a:t>
+            </a:r>
+          </a:p>
+          <a:p>
+            <a:r>
+              <a:rPr lang="es-ES" sz="2800" dirty="0" smtClean="0"/>
+              <a:t>Generador automático de pelotas por nivel</a:t>
+            </a:r>
+          </a:p>
+          <a:p>
+            <a:r>
+              <a:rPr lang="es-ES" sz="2800" dirty="0" smtClean="0"/>
+              <a:t>Sin vidas</a:t>
+            </a:r>
+            <a:endParaRPr lang="es-ES" sz="2800" dirty="0"/>
           </a:p>
         </p:txBody>
       </p:sp>
     </p:spTree>
     <p:extLst>
       <p:ext uri="{BB962C8B-B14F-4D97-AF65-F5344CB8AC3E}">
-        <p14:creationId xmlns:p14="http://schemas.microsoft.com/office/powerpoint/2010/main" val="3129614779"/>
+        <p14:creationId xmlns:p14="http://schemas.microsoft.com/office/powerpoint/2010/main" val="3997695814"/>
       </p:ext>
     </p:extLst>
   </p:cSld>
@@ -8635,39 +9480,107 @@
             <p:ph type="title"/>
           </p:nvPr>
         </p:nvSpPr>
-        <p:spPr/>
-        <p:txBody>
-          <a:bodyPr/>
-          <a:lstStyle/>
-          <a:p>
-            <a:r>
-              <a:rPr lang="es-ES" dirty="0" smtClean="0"/>
+        <p:spPr>
+          <a:xfrm>
+            <a:off x="1484312" y="685800"/>
+            <a:ext cx="10207624" cy="1752599"/>
+          </a:xfrm>
+        </p:spPr>
+        <p:txBody>
+          <a:bodyPr>
+            <a:noAutofit/>
+          </a:bodyPr>
+          <a:lstStyle/>
+          <a:p>
+            <a:r>
+              <a:rPr lang="es-ES" sz="6600" dirty="0">
+                <a:solidFill>
+                  <a:schemeClr val="accent1">
+                    <a:lumMod val="75000"/>
+                  </a:schemeClr>
+                </a:solidFill>
+              </a:rPr>
+              <a:t>Arquitectura y componentes</a:t>
+            </a:r>
+            <a:endParaRPr lang="es-ES" sz="6600" dirty="0"/>
+          </a:p>
+        </p:txBody>
+      </p:sp>
+      <p:sp>
+        <p:nvSpPr>
+          <p:cNvPr id="3" name="Marcador de contenido 2"/>
+          <p:cNvSpPr>
+            <a:spLocks noGrp="1"/>
+          </p:cNvSpPr>
+          <p:nvPr>
+            <p:ph sz="half" idx="1"/>
+          </p:nvPr>
+        </p:nvSpPr>
+        <p:spPr>
+          <a:xfrm>
+            <a:off x="2061369" y="2616199"/>
+            <a:ext cx="4895055" cy="3124201"/>
+          </a:xfrm>
+        </p:spPr>
+        <p:txBody>
+          <a:bodyPr>
+            <a:normAutofit lnSpcReduction="10000"/>
+          </a:bodyPr>
+          <a:lstStyle/>
+          <a:p>
+            <a:endParaRPr lang="es-ES" sz="3200" dirty="0" smtClean="0"/>
+          </a:p>
+          <a:p>
+            <a:r>
+              <a:rPr lang="es-ES" sz="3200" dirty="0" smtClean="0"/>
+              <a:t>Clase </a:t>
+            </a:r>
+            <a:r>
+              <a:rPr lang="es-ES" sz="3200" dirty="0" err="1"/>
+              <a:t>Background</a:t>
+            </a:r>
+            <a:endParaRPr lang="es-ES" sz="3200" dirty="0"/>
+          </a:p>
+          <a:p>
+            <a:r>
+              <a:rPr lang="es-ES" sz="3200" dirty="0"/>
               <a:t>Clases </a:t>
             </a:r>
             <a:r>
-              <a:rPr lang="es-ES" dirty="0" err="1" smtClean="0"/>
+              <a:rPr lang="es-ES" sz="3200" dirty="0" err="1" smtClean="0"/>
               <a:t>Edges</a:t>
             </a:r>
+            <a:endParaRPr lang="es-ES" sz="3200" dirty="0" smtClean="0"/>
+          </a:p>
+          <a:p>
+            <a:r>
+              <a:rPr lang="es-ES" sz="3200" dirty="0"/>
+              <a:t>Clases </a:t>
+            </a:r>
+            <a:r>
+              <a:rPr lang="es-ES" sz="3200" dirty="0" smtClean="0"/>
+              <a:t>Bolas</a:t>
+            </a:r>
+          </a:p>
+          <a:p>
+            <a:r>
+              <a:rPr lang="es-ES" sz="3200" dirty="0"/>
+              <a:t>Clase </a:t>
+            </a:r>
+            <a:r>
+              <a:rPr lang="es-ES" sz="3200" dirty="0" err="1"/>
+              <a:t>Harpoon</a:t>
+            </a:r>
+            <a:endParaRPr lang="es-ES" sz="3200" dirty="0"/>
+          </a:p>
+          <a:p>
+            <a:endParaRPr lang="es-ES" sz="3200" dirty="0"/>
+          </a:p>
+          <a:p>
             <a:endParaRPr lang="es-ES" dirty="0"/>
           </a:p>
-        </p:txBody>
-      </p:sp>
-      <p:sp>
-        <p:nvSpPr>
-          <p:cNvPr id="3" name="Marcador de contenido 2"/>
-          <p:cNvSpPr>
-            <a:spLocks noGrp="1"/>
-          </p:cNvSpPr>
-          <p:nvPr>
-            <p:ph sz="half" idx="1"/>
-          </p:nvPr>
-        </p:nvSpPr>
-        <p:spPr/>
-        <p:txBody>
-          <a:bodyPr/>
-          <a:lstStyle/>
-          <a:p>
-            <a:endParaRPr lang="es-ES"/>
+          <a:p>
+            <a:endParaRPr lang="es-ES" dirty="0"/>
           </a:p>
         </p:txBody>
       </p:sp>
@@ -8681,19 +9594,50 @@
             <p:ph sz="half" idx="2"/>
           </p:nvPr>
         </p:nvSpPr>
-        <p:spPr/>
-        <p:txBody>
-          <a:bodyPr/>
-          <a:lstStyle/>
-          <a:p>
-            <a:endParaRPr lang="es-ES"/>
+        <p:spPr>
+          <a:xfrm>
+            <a:off x="6473824" y="2616200"/>
+            <a:ext cx="4895056" cy="3124200"/>
+          </a:xfrm>
+        </p:spPr>
+        <p:txBody>
+          <a:bodyPr>
+            <a:normAutofit lnSpcReduction="10000"/>
+          </a:bodyPr>
+          <a:lstStyle/>
+          <a:p>
+            <a:r>
+              <a:rPr lang="es-ES" sz="3200" dirty="0" smtClean="0"/>
+              <a:t>Clase Player</a:t>
+            </a:r>
+          </a:p>
+          <a:p>
+            <a:r>
+              <a:rPr lang="es-ES" sz="3200" dirty="0" smtClean="0"/>
+              <a:t>Animaciones</a:t>
+            </a:r>
+          </a:p>
+          <a:p>
+            <a:r>
+              <a:rPr lang="es-ES" sz="3200" dirty="0" smtClean="0"/>
+              <a:t>Generador de pelotas</a:t>
+            </a:r>
+          </a:p>
+          <a:p>
+            <a:endParaRPr lang="es-ES" sz="3200" dirty="0"/>
+          </a:p>
+          <a:p>
+            <a:endParaRPr lang="es-ES" dirty="0"/>
+          </a:p>
+          <a:p>
+            <a:endParaRPr lang="es-ES" dirty="0"/>
           </a:p>
         </p:txBody>
       </p:sp>
     </p:spTree>
     <p:extLst>
       <p:ext uri="{BB962C8B-B14F-4D97-AF65-F5344CB8AC3E}">
-        <p14:creationId xmlns:p14="http://schemas.microsoft.com/office/powerpoint/2010/main" val="3725490647"/>
+        <p14:creationId xmlns:p14="http://schemas.microsoft.com/office/powerpoint/2010/main" val="2083408334"/>
       </p:ext>
     </p:extLst>
   </p:cSld>
